--- a/恩典之洋.pptx
+++ b/恩典之洋.pptx
@@ -5,11 +5,17 @@
     <p:sldMasterId id="2147483660" r:id="rId1"/>
   </p:sldMasterIdLst>
   <p:sldIdLst>
-    <p:sldId id="257" r:id="rId2"/>
-    <p:sldId id="258" r:id="rId3"/>
-    <p:sldId id="259" r:id="rId4"/>
-    <p:sldId id="260" r:id="rId5"/>
-    <p:sldId id="261" r:id="rId6"/>
+    <p:sldId id="353" r:id="rId2"/>
+    <p:sldId id="390" r:id="rId3"/>
+    <p:sldId id="1656" r:id="rId4"/>
+    <p:sldId id="1657" r:id="rId5"/>
+    <p:sldId id="1658" r:id="rId6"/>
+    <p:sldId id="1659" r:id="rId7"/>
+    <p:sldId id="1660" r:id="rId8"/>
+    <p:sldId id="1661" r:id="rId9"/>
+    <p:sldId id="1662" r:id="rId10"/>
+    <p:sldId id="1663" r:id="rId11"/>
+    <p:sldId id="1664" r:id="rId12"/>
   </p:sldIdLst>
   <p:sldSz cx="12192000" cy="6858000"/>
   <p:notesSz cx="6858000" cy="9144000"/>
@@ -108,6 +114,11 @@
       </a:defRPr>
     </a:lvl9pPr>
   </p:defaultTextStyle>
+  <p:extLst>
+    <p:ext uri="{EFAFB233-063F-42B5-8137-9DF3F51BA10A}">
+      <p15:sldGuideLst xmlns:p15="http://schemas.microsoft.com/office/powerpoint/2012/main"/>
+    </p:ext>
+  </p:extLst>
 </p:presentation>
 </file>
 
@@ -149,7 +160,7 @@
           <a:lstStyle/>
           <a:p>
             <a:r>
-              <a:rPr lang="en-US" altLang="zh-TW" smtClean="0"/>
+              <a:rPr lang="en-US" altLang="zh-TW"/>
               <a:t>Click to edit Master title style</a:t>
             </a:r>
             <a:endParaRPr lang="zh-TW" altLang="en-US"/>
@@ -268,7 +279,7 @@
           </a:lstStyle>
           <a:p>
             <a:r>
-              <a:rPr lang="en-US" altLang="zh-TW" smtClean="0"/>
+              <a:rPr lang="en-US" altLang="zh-TW"/>
               <a:t>Click to edit Master subtitle style</a:t>
             </a:r>
             <a:endParaRPr lang="zh-TW" altLang="en-US"/>
@@ -292,7 +303,7 @@
           <a:p>
             <a:fld id="{5E1B7BBD-8151-405B-BEAE-4CC22C1DDA96}" type="datetimeFigureOut">
               <a:rPr lang="vi-VN" smtClean="0"/>
-              <a:t>08/08/2020</a:t>
+              <a:t>02/02/2024</a:t>
             </a:fld>
             <a:endParaRPr lang="vi-VN"/>
           </a:p>
@@ -386,7 +397,7 @@
           <a:lstStyle/>
           <a:p>
             <a:r>
-              <a:rPr lang="en-US" altLang="zh-TW" smtClean="0"/>
+              <a:rPr lang="en-US" altLang="zh-TW"/>
               <a:t>Click to edit Master title style</a:t>
             </a:r>
             <a:endParaRPr lang="zh-TW" altLang="en-US"/>
@@ -410,35 +421,35 @@
           <a:p>
             <a:pPr lvl="0"/>
             <a:r>
-              <a:rPr lang="en-US" altLang="zh-TW" smtClean="0"/>
+              <a:rPr lang="en-US" altLang="zh-TW"/>
               <a:t>Edit Master text styles</a:t>
             </a:r>
           </a:p>
           <a:p>
             <a:pPr lvl="1"/>
             <a:r>
-              <a:rPr lang="en-US" altLang="zh-TW" smtClean="0"/>
+              <a:rPr lang="en-US" altLang="zh-TW"/>
               <a:t>Second level</a:t>
             </a:r>
           </a:p>
           <a:p>
             <a:pPr lvl="2"/>
             <a:r>
-              <a:rPr lang="en-US" altLang="zh-TW" smtClean="0"/>
+              <a:rPr lang="en-US" altLang="zh-TW"/>
               <a:t>Third level</a:t>
             </a:r>
           </a:p>
           <a:p>
             <a:pPr lvl="3"/>
             <a:r>
-              <a:rPr lang="en-US" altLang="zh-TW" smtClean="0"/>
+              <a:rPr lang="en-US" altLang="zh-TW"/>
               <a:t>Fourth level</a:t>
             </a:r>
           </a:p>
           <a:p>
             <a:pPr lvl="4"/>
             <a:r>
-              <a:rPr lang="en-US" altLang="zh-TW" smtClean="0"/>
+              <a:rPr lang="en-US" altLang="zh-TW"/>
               <a:t>Fifth level</a:t>
             </a:r>
             <a:endParaRPr lang="zh-TW" altLang="en-US"/>
@@ -462,7 +473,7 @@
           <a:p>
             <a:fld id="{5E1B7BBD-8151-405B-BEAE-4CC22C1DDA96}" type="datetimeFigureOut">
               <a:rPr lang="vi-VN" smtClean="0"/>
-              <a:t>08/08/2020</a:t>
+              <a:t>02/02/2024</a:t>
             </a:fld>
             <a:endParaRPr lang="vi-VN"/>
           </a:p>
@@ -561,7 +572,7 @@
           <a:lstStyle/>
           <a:p>
             <a:r>
-              <a:rPr lang="en-US" altLang="zh-TW" smtClean="0"/>
+              <a:rPr lang="en-US" altLang="zh-TW"/>
               <a:t>Click to edit Master title style</a:t>
             </a:r>
             <a:endParaRPr lang="zh-TW" altLang="en-US"/>
@@ -590,35 +601,35 @@
           <a:p>
             <a:pPr lvl="0"/>
             <a:r>
-              <a:rPr lang="en-US" altLang="zh-TW" smtClean="0"/>
+              <a:rPr lang="en-US" altLang="zh-TW"/>
               <a:t>Edit Master text styles</a:t>
             </a:r>
           </a:p>
           <a:p>
             <a:pPr lvl="1"/>
             <a:r>
-              <a:rPr lang="en-US" altLang="zh-TW" smtClean="0"/>
+              <a:rPr lang="en-US" altLang="zh-TW"/>
               <a:t>Second level</a:t>
             </a:r>
           </a:p>
           <a:p>
             <a:pPr lvl="2"/>
             <a:r>
-              <a:rPr lang="en-US" altLang="zh-TW" smtClean="0"/>
+              <a:rPr lang="en-US" altLang="zh-TW"/>
               <a:t>Third level</a:t>
             </a:r>
           </a:p>
           <a:p>
             <a:pPr lvl="3"/>
             <a:r>
-              <a:rPr lang="en-US" altLang="zh-TW" smtClean="0"/>
+              <a:rPr lang="en-US" altLang="zh-TW"/>
               <a:t>Fourth level</a:t>
             </a:r>
           </a:p>
           <a:p>
             <a:pPr lvl="4"/>
             <a:r>
-              <a:rPr lang="en-US" altLang="zh-TW" smtClean="0"/>
+              <a:rPr lang="en-US" altLang="zh-TW"/>
               <a:t>Fifth level</a:t>
             </a:r>
             <a:endParaRPr lang="zh-TW" altLang="en-US"/>
@@ -642,7 +653,7 @@
           <a:p>
             <a:fld id="{5E1B7BBD-8151-405B-BEAE-4CC22C1DDA96}" type="datetimeFigureOut">
               <a:rPr lang="vi-VN" smtClean="0"/>
-              <a:t>08/08/2020</a:t>
+              <a:t>02/02/2024</a:t>
             </a:fld>
             <a:endParaRPr lang="vi-VN"/>
           </a:p>
@@ -736,7 +747,7 @@
           <a:lstStyle/>
           <a:p>
             <a:r>
-              <a:rPr lang="en-US" altLang="zh-TW" smtClean="0"/>
+              <a:rPr lang="en-US" altLang="zh-TW"/>
               <a:t>Click to edit Master title style</a:t>
             </a:r>
             <a:endParaRPr lang="zh-TW" altLang="en-US"/>
@@ -760,35 +771,35 @@
           <a:p>
             <a:pPr lvl="0"/>
             <a:r>
-              <a:rPr lang="en-US" altLang="zh-TW" smtClean="0"/>
+              <a:rPr lang="en-US" altLang="zh-TW"/>
               <a:t>Edit Master text styles</a:t>
             </a:r>
           </a:p>
           <a:p>
             <a:pPr lvl="1"/>
             <a:r>
-              <a:rPr lang="en-US" altLang="zh-TW" smtClean="0"/>
+              <a:rPr lang="en-US" altLang="zh-TW"/>
               <a:t>Second level</a:t>
             </a:r>
           </a:p>
           <a:p>
             <a:pPr lvl="2"/>
             <a:r>
-              <a:rPr lang="en-US" altLang="zh-TW" smtClean="0"/>
+              <a:rPr lang="en-US" altLang="zh-TW"/>
               <a:t>Third level</a:t>
             </a:r>
           </a:p>
           <a:p>
             <a:pPr lvl="3"/>
             <a:r>
-              <a:rPr lang="en-US" altLang="zh-TW" smtClean="0"/>
+              <a:rPr lang="en-US" altLang="zh-TW"/>
               <a:t>Fourth level</a:t>
             </a:r>
           </a:p>
           <a:p>
             <a:pPr lvl="4"/>
             <a:r>
-              <a:rPr lang="en-US" altLang="zh-TW" smtClean="0"/>
+              <a:rPr lang="en-US" altLang="zh-TW"/>
               <a:t>Fifth level</a:t>
             </a:r>
             <a:endParaRPr lang="zh-TW" altLang="en-US"/>
@@ -812,7 +823,7 @@
           <a:p>
             <a:fld id="{5E1B7BBD-8151-405B-BEAE-4CC22C1DDA96}" type="datetimeFigureOut">
               <a:rPr lang="vi-VN" smtClean="0"/>
-              <a:t>08/08/2020</a:t>
+              <a:t>02/02/2024</a:t>
             </a:fld>
             <a:endParaRPr lang="vi-VN"/>
           </a:p>
@@ -915,7 +926,7 @@
           </a:lstStyle>
           <a:p>
             <a:r>
-              <a:rPr lang="en-US" altLang="zh-TW" smtClean="0"/>
+              <a:rPr lang="en-US" altLang="zh-TW"/>
               <a:t>Click to edit Master title style</a:t>
             </a:r>
             <a:endParaRPr lang="zh-TW" altLang="en-US"/>
@@ -1035,7 +1046,7 @@
           <a:p>
             <a:pPr lvl="0"/>
             <a:r>
-              <a:rPr lang="en-US" altLang="zh-TW" smtClean="0"/>
+              <a:rPr lang="en-US" altLang="zh-TW"/>
               <a:t>Edit Master text styles</a:t>
             </a:r>
           </a:p>
@@ -1058,7 +1069,7 @@
           <a:p>
             <a:fld id="{5E1B7BBD-8151-405B-BEAE-4CC22C1DDA96}" type="datetimeFigureOut">
               <a:rPr lang="vi-VN" smtClean="0"/>
-              <a:t>08/08/2020</a:t>
+              <a:t>02/02/2024</a:t>
             </a:fld>
             <a:endParaRPr lang="vi-VN"/>
           </a:p>
@@ -1152,7 +1163,7 @@
           <a:lstStyle/>
           <a:p>
             <a:r>
-              <a:rPr lang="en-US" altLang="zh-TW" smtClean="0"/>
+              <a:rPr lang="en-US" altLang="zh-TW"/>
               <a:t>Click to edit Master title style</a:t>
             </a:r>
             <a:endParaRPr lang="zh-TW" altLang="en-US"/>
@@ -1209,35 +1220,35 @@
           <a:p>
             <a:pPr lvl="0"/>
             <a:r>
-              <a:rPr lang="en-US" altLang="zh-TW" smtClean="0"/>
+              <a:rPr lang="en-US" altLang="zh-TW"/>
               <a:t>Edit Master text styles</a:t>
             </a:r>
           </a:p>
           <a:p>
             <a:pPr lvl="1"/>
             <a:r>
-              <a:rPr lang="en-US" altLang="zh-TW" smtClean="0"/>
+              <a:rPr lang="en-US" altLang="zh-TW"/>
               <a:t>Second level</a:t>
             </a:r>
           </a:p>
           <a:p>
             <a:pPr lvl="2"/>
             <a:r>
-              <a:rPr lang="en-US" altLang="zh-TW" smtClean="0"/>
+              <a:rPr lang="en-US" altLang="zh-TW"/>
               <a:t>Third level</a:t>
             </a:r>
           </a:p>
           <a:p>
             <a:pPr lvl="3"/>
             <a:r>
-              <a:rPr lang="en-US" altLang="zh-TW" smtClean="0"/>
+              <a:rPr lang="en-US" altLang="zh-TW"/>
               <a:t>Fourth level</a:t>
             </a:r>
           </a:p>
           <a:p>
             <a:pPr lvl="4"/>
             <a:r>
-              <a:rPr lang="en-US" altLang="zh-TW" smtClean="0"/>
+              <a:rPr lang="en-US" altLang="zh-TW"/>
               <a:t>Fifth level</a:t>
             </a:r>
             <a:endParaRPr lang="zh-TW" altLang="en-US"/>
@@ -1294,35 +1305,35 @@
           <a:p>
             <a:pPr lvl="0"/>
             <a:r>
-              <a:rPr lang="en-US" altLang="zh-TW" smtClean="0"/>
+              <a:rPr lang="en-US" altLang="zh-TW"/>
               <a:t>Edit Master text styles</a:t>
             </a:r>
           </a:p>
           <a:p>
             <a:pPr lvl="1"/>
             <a:r>
-              <a:rPr lang="en-US" altLang="zh-TW" smtClean="0"/>
+              <a:rPr lang="en-US" altLang="zh-TW"/>
               <a:t>Second level</a:t>
             </a:r>
           </a:p>
           <a:p>
             <a:pPr lvl="2"/>
             <a:r>
-              <a:rPr lang="en-US" altLang="zh-TW" smtClean="0"/>
+              <a:rPr lang="en-US" altLang="zh-TW"/>
               <a:t>Third level</a:t>
             </a:r>
           </a:p>
           <a:p>
             <a:pPr lvl="3"/>
             <a:r>
-              <a:rPr lang="en-US" altLang="zh-TW" smtClean="0"/>
+              <a:rPr lang="en-US" altLang="zh-TW"/>
               <a:t>Fourth level</a:t>
             </a:r>
           </a:p>
           <a:p>
             <a:pPr lvl="4"/>
             <a:r>
-              <a:rPr lang="en-US" altLang="zh-TW" smtClean="0"/>
+              <a:rPr lang="en-US" altLang="zh-TW"/>
               <a:t>Fifth level</a:t>
             </a:r>
             <a:endParaRPr lang="zh-TW" altLang="en-US"/>
@@ -1346,7 +1357,7 @@
           <a:p>
             <a:fld id="{5E1B7BBD-8151-405B-BEAE-4CC22C1DDA96}" type="datetimeFigureOut">
               <a:rPr lang="vi-VN" smtClean="0"/>
-              <a:t>08/08/2020</a:t>
+              <a:t>02/02/2024</a:t>
             </a:fld>
             <a:endParaRPr lang="vi-VN"/>
           </a:p>
@@ -1444,7 +1455,7 @@
           </a:lstStyle>
           <a:p>
             <a:r>
-              <a:rPr lang="en-US" altLang="zh-TW" smtClean="0"/>
+              <a:rPr lang="en-US" altLang="zh-TW"/>
               <a:t>Click to edit Master title style</a:t>
             </a:r>
             <a:endParaRPr lang="zh-TW" altLang="en-US"/>
@@ -1510,7 +1521,7 @@
           <a:p>
             <a:pPr lvl="0"/>
             <a:r>
-              <a:rPr lang="en-US" altLang="zh-TW" smtClean="0"/>
+              <a:rPr lang="en-US" altLang="zh-TW"/>
               <a:t>Edit Master text styles</a:t>
             </a:r>
           </a:p>
@@ -1566,35 +1577,35 @@
           <a:p>
             <a:pPr lvl="0"/>
             <a:r>
-              <a:rPr lang="en-US" altLang="zh-TW" smtClean="0"/>
+              <a:rPr lang="en-US" altLang="zh-TW"/>
               <a:t>Edit Master text styles</a:t>
             </a:r>
           </a:p>
           <a:p>
             <a:pPr lvl="1"/>
             <a:r>
-              <a:rPr lang="en-US" altLang="zh-TW" smtClean="0"/>
+              <a:rPr lang="en-US" altLang="zh-TW"/>
               <a:t>Second level</a:t>
             </a:r>
           </a:p>
           <a:p>
             <a:pPr lvl="2"/>
             <a:r>
-              <a:rPr lang="en-US" altLang="zh-TW" smtClean="0"/>
+              <a:rPr lang="en-US" altLang="zh-TW"/>
               <a:t>Third level</a:t>
             </a:r>
           </a:p>
           <a:p>
             <a:pPr lvl="3"/>
             <a:r>
-              <a:rPr lang="en-US" altLang="zh-TW" smtClean="0"/>
+              <a:rPr lang="en-US" altLang="zh-TW"/>
               <a:t>Fourth level</a:t>
             </a:r>
           </a:p>
           <a:p>
             <a:pPr lvl="4"/>
             <a:r>
-              <a:rPr lang="en-US" altLang="zh-TW" smtClean="0"/>
+              <a:rPr lang="en-US" altLang="zh-TW"/>
               <a:t>Fifth level</a:t>
             </a:r>
             <a:endParaRPr lang="zh-TW" altLang="en-US"/>
@@ -1660,7 +1671,7 @@
           <a:p>
             <a:pPr lvl="0"/>
             <a:r>
-              <a:rPr lang="en-US" altLang="zh-TW" smtClean="0"/>
+              <a:rPr lang="en-US" altLang="zh-TW"/>
               <a:t>Edit Master text styles</a:t>
             </a:r>
           </a:p>
@@ -1716,35 +1727,35 @@
           <a:p>
             <a:pPr lvl="0"/>
             <a:r>
-              <a:rPr lang="en-US" altLang="zh-TW" smtClean="0"/>
+              <a:rPr lang="en-US" altLang="zh-TW"/>
               <a:t>Edit Master text styles</a:t>
             </a:r>
           </a:p>
           <a:p>
             <a:pPr lvl="1"/>
             <a:r>
-              <a:rPr lang="en-US" altLang="zh-TW" smtClean="0"/>
+              <a:rPr lang="en-US" altLang="zh-TW"/>
               <a:t>Second level</a:t>
             </a:r>
           </a:p>
           <a:p>
             <a:pPr lvl="2"/>
             <a:r>
-              <a:rPr lang="en-US" altLang="zh-TW" smtClean="0"/>
+              <a:rPr lang="en-US" altLang="zh-TW"/>
               <a:t>Third level</a:t>
             </a:r>
           </a:p>
           <a:p>
             <a:pPr lvl="3"/>
             <a:r>
-              <a:rPr lang="en-US" altLang="zh-TW" smtClean="0"/>
+              <a:rPr lang="en-US" altLang="zh-TW"/>
               <a:t>Fourth level</a:t>
             </a:r>
           </a:p>
           <a:p>
             <a:pPr lvl="4"/>
             <a:r>
-              <a:rPr lang="en-US" altLang="zh-TW" smtClean="0"/>
+              <a:rPr lang="en-US" altLang="zh-TW"/>
               <a:t>Fifth level</a:t>
             </a:r>
             <a:endParaRPr lang="zh-TW" altLang="en-US"/>
@@ -1768,7 +1779,7 @@
           <a:p>
             <a:fld id="{5E1B7BBD-8151-405B-BEAE-4CC22C1DDA96}" type="datetimeFigureOut">
               <a:rPr lang="vi-VN" smtClean="0"/>
-              <a:t>08/08/2020</a:t>
+              <a:t>02/02/2024</a:t>
             </a:fld>
             <a:endParaRPr lang="vi-VN"/>
           </a:p>
@@ -1862,7 +1873,7 @@
           <a:lstStyle/>
           <a:p>
             <a:r>
-              <a:rPr lang="en-US" altLang="zh-TW" smtClean="0"/>
+              <a:rPr lang="en-US" altLang="zh-TW"/>
               <a:t>Click to edit Master title style</a:t>
             </a:r>
             <a:endParaRPr lang="zh-TW" altLang="en-US"/>
@@ -1886,7 +1897,7 @@
           <a:p>
             <a:fld id="{5E1B7BBD-8151-405B-BEAE-4CC22C1DDA96}" type="datetimeFigureOut">
               <a:rPr lang="vi-VN" smtClean="0"/>
-              <a:t>08/08/2020</a:t>
+              <a:t>02/02/2024</a:t>
             </a:fld>
             <a:endParaRPr lang="vi-VN"/>
           </a:p>
@@ -1981,7 +1992,7 @@
           <a:p>
             <a:fld id="{5E1B7BBD-8151-405B-BEAE-4CC22C1DDA96}" type="datetimeFigureOut">
               <a:rPr lang="vi-VN" smtClean="0"/>
-              <a:t>08/08/2020</a:t>
+              <a:t>02/02/2024</a:t>
             </a:fld>
             <a:endParaRPr lang="vi-VN"/>
           </a:p>
@@ -2084,7 +2095,7 @@
           </a:lstStyle>
           <a:p>
             <a:r>
-              <a:rPr lang="en-US" altLang="zh-TW" smtClean="0"/>
+              <a:rPr lang="en-US" altLang="zh-TW"/>
               <a:t>Click to edit Master title style</a:t>
             </a:r>
             <a:endParaRPr lang="zh-TW" altLang="en-US"/>
@@ -2141,35 +2152,35 @@
           <a:p>
             <a:pPr lvl="0"/>
             <a:r>
-              <a:rPr lang="en-US" altLang="zh-TW" smtClean="0"/>
+              <a:rPr lang="en-US" altLang="zh-TW"/>
               <a:t>Edit Master text styles</a:t>
             </a:r>
           </a:p>
           <a:p>
             <a:pPr lvl="1"/>
             <a:r>
-              <a:rPr lang="en-US" altLang="zh-TW" smtClean="0"/>
+              <a:rPr lang="en-US" altLang="zh-TW"/>
               <a:t>Second level</a:t>
             </a:r>
           </a:p>
           <a:p>
             <a:pPr lvl="2"/>
             <a:r>
-              <a:rPr lang="en-US" altLang="zh-TW" smtClean="0"/>
+              <a:rPr lang="en-US" altLang="zh-TW"/>
               <a:t>Third level</a:t>
             </a:r>
           </a:p>
           <a:p>
             <a:pPr lvl="3"/>
             <a:r>
-              <a:rPr lang="en-US" altLang="zh-TW" smtClean="0"/>
+              <a:rPr lang="en-US" altLang="zh-TW"/>
               <a:t>Fourth level</a:t>
             </a:r>
           </a:p>
           <a:p>
             <a:pPr lvl="4"/>
             <a:r>
-              <a:rPr lang="en-US" altLang="zh-TW" smtClean="0"/>
+              <a:rPr lang="en-US" altLang="zh-TW"/>
               <a:t>Fifth level</a:t>
             </a:r>
             <a:endParaRPr lang="zh-TW" altLang="en-US"/>
@@ -2235,7 +2246,7 @@
           <a:p>
             <a:pPr lvl="0"/>
             <a:r>
-              <a:rPr lang="en-US" altLang="zh-TW" smtClean="0"/>
+              <a:rPr lang="en-US" altLang="zh-TW"/>
               <a:t>Edit Master text styles</a:t>
             </a:r>
           </a:p>
@@ -2258,7 +2269,7 @@
           <a:p>
             <a:fld id="{5E1B7BBD-8151-405B-BEAE-4CC22C1DDA96}" type="datetimeFigureOut">
               <a:rPr lang="vi-VN" smtClean="0"/>
-              <a:t>08/08/2020</a:t>
+              <a:t>02/02/2024</a:t>
             </a:fld>
             <a:endParaRPr lang="vi-VN"/>
           </a:p>
@@ -2361,7 +2372,7 @@
           </a:lstStyle>
           <a:p>
             <a:r>
-              <a:rPr lang="en-US" altLang="zh-TW" smtClean="0"/>
+              <a:rPr lang="en-US" altLang="zh-TW"/>
               <a:t>Click to edit Master title style</a:t>
             </a:r>
             <a:endParaRPr lang="zh-TW" altLang="en-US"/>
@@ -2426,7 +2437,7 @@
           </a:lstStyle>
           <a:p>
             <a:r>
-              <a:rPr lang="en-US" altLang="zh-TW" smtClean="0"/>
+              <a:rPr lang="en-US" altLang="zh-TW"/>
               <a:t>Click icon to add picture</a:t>
             </a:r>
             <a:endParaRPr lang="zh-TW" altLang="en-US"/>
@@ -2492,7 +2503,7 @@
           <a:p>
             <a:pPr lvl="0"/>
             <a:r>
-              <a:rPr lang="en-US" altLang="zh-TW" smtClean="0"/>
+              <a:rPr lang="en-US" altLang="zh-TW"/>
               <a:t>Edit Master text styles</a:t>
             </a:r>
           </a:p>
@@ -2515,7 +2526,7 @@
           <a:p>
             <a:fld id="{5E1B7BBD-8151-405B-BEAE-4CC22C1DDA96}" type="datetimeFigureOut">
               <a:rPr lang="vi-VN" smtClean="0"/>
-              <a:t>08/08/2020</a:t>
+              <a:t>02/02/2024</a:t>
             </a:fld>
             <a:endParaRPr lang="vi-VN"/>
           </a:p>
@@ -2629,10 +2640,9 @@
           <a:lstStyle/>
           <a:p>
             <a:r>
-              <a:rPr lang="zh-TW" altLang="en-US" smtClean="0"/>
+              <a:rPr lang="zh-TW" altLang="en-US"/>
               <a:t>按一下以編輯母片標題樣式</a:t>
             </a:r>
-            <a:endParaRPr lang="zh-TW" altLang="en-US"/>
           </a:p>
         </p:txBody>
       </p:sp>
@@ -2663,38 +2673,37 @@
           <a:p>
             <a:pPr lvl="0"/>
             <a:r>
-              <a:rPr lang="zh-TW" altLang="en-US" smtClean="0"/>
+              <a:rPr lang="zh-TW" altLang="en-US"/>
               <a:t>按一下以編輯母片文字樣式</a:t>
             </a:r>
           </a:p>
           <a:p>
             <a:pPr lvl="1"/>
             <a:r>
-              <a:rPr lang="zh-TW" altLang="en-US" smtClean="0"/>
+              <a:rPr lang="zh-TW" altLang="en-US"/>
               <a:t>第二層</a:t>
             </a:r>
           </a:p>
           <a:p>
             <a:pPr lvl="2"/>
             <a:r>
-              <a:rPr lang="zh-TW" altLang="en-US" smtClean="0"/>
+              <a:rPr lang="zh-TW" altLang="en-US"/>
               <a:t>第三層</a:t>
             </a:r>
           </a:p>
           <a:p>
             <a:pPr lvl="3"/>
             <a:r>
-              <a:rPr lang="zh-TW" altLang="en-US" smtClean="0"/>
+              <a:rPr lang="zh-TW" altLang="en-US"/>
               <a:t>第四層</a:t>
             </a:r>
           </a:p>
           <a:p>
             <a:pPr lvl="4"/>
             <a:r>
-              <a:rPr lang="zh-TW" altLang="en-US" smtClean="0"/>
+              <a:rPr lang="zh-TW" altLang="en-US"/>
               <a:t>第五層</a:t>
             </a:r>
-            <a:endParaRPr lang="zh-TW" altLang="en-US"/>
           </a:p>
         </p:txBody>
       </p:sp>
@@ -2733,7 +2742,7 @@
           <a:p>
             <a:fld id="{5E1B7BBD-8151-405B-BEAE-4CC22C1DDA96}" type="datetimeFigureOut">
               <a:rPr lang="vi-VN" smtClean="0"/>
-              <a:t>08/08/2020</a:t>
+              <a:t>02/02/2024</a:t>
             </a:fld>
             <a:endParaRPr lang="vi-VN"/>
           </a:p>
@@ -3110,7 +3119,7 @@
       </p:grpSpPr>
       <p:sp>
         <p:nvSpPr>
-          <p:cNvPr id="2" name="Title 1"/>
+          <p:cNvPr id="4" name="標題 3"/>
           <p:cNvSpPr>
             <a:spLocks noGrp="1"/>
           </p:cNvSpPr>
@@ -3118,215 +3127,184 @@
             <p:ph type="title"/>
           </p:nvPr>
         </p:nvSpPr>
-        <p:spPr/>
+        <p:spPr>
+          <a:xfrm>
+            <a:off x="0" y="2660915"/>
+            <a:ext cx="12192000" cy="1143000"/>
+          </a:xfrm>
+        </p:spPr>
         <p:txBody>
           <a:bodyPr>
+            <a:noAutofit/>
+          </a:bodyPr>
+          <a:lstStyle/>
+          <a:p>
+            <a:r>
+              <a:rPr lang="zh-CN" altLang="en-US" sz="7200" b="1" i="1" dirty="0">
+                <a:solidFill>
+                  <a:srgbClr val="000066"/>
+                </a:solidFill>
+                <a:effectLst>
+                  <a:outerShdw blurRad="38100" dist="38100" dir="2700000" algn="tl">
+                    <a:srgbClr val="000000">
+                      <a:alpha val="43137"/>
+                    </a:srgbClr>
+                  </a:outerShdw>
+                </a:effectLst>
+                <a:latin typeface="微軟正黑體" pitchFamily="34" charset="-120"/>
+                <a:ea typeface="微軟正黑體" pitchFamily="34" charset="-120"/>
+              </a:rPr>
+              <a:t>恩典之洋</a:t>
+            </a:r>
+            <a:endParaRPr lang="zh-TW" altLang="en-US" sz="7200" b="1" i="1" dirty="0">
+              <a:solidFill>
+                <a:srgbClr val="000066"/>
+              </a:solidFill>
+              <a:effectLst>
+                <a:outerShdw blurRad="38100" dist="38100" dir="2700000" algn="tl">
+                  <a:srgbClr val="000000">
+                    <a:alpha val="43137"/>
+                  </a:srgbClr>
+                </a:outerShdw>
+              </a:effectLst>
+              <a:latin typeface="微軟正黑體" pitchFamily="34" charset="-120"/>
+              <a:ea typeface="微軟正黑體" pitchFamily="34" charset="-120"/>
+            </a:endParaRPr>
+          </a:p>
+        </p:txBody>
+      </p:sp>
+    </p:spTree>
+  </p:cSld>
+  <p:clrMapOvr>
+    <a:masterClrMapping/>
+  </p:clrMapOvr>
+</p:sld>
+</file>
+
+<file path=ppt/slides/slide10.xml><?xml version="1.0" encoding="utf-8"?>
+<p:sld xmlns:a="http://schemas.openxmlformats.org/drawingml/2006/main" xmlns:r="http://schemas.openxmlformats.org/officeDocument/2006/relationships" xmlns:p="http://schemas.openxmlformats.org/presentationml/2006/main">
+  <p:cSld>
+    <p:spTree>
+      <p:nvGrpSpPr>
+        <p:cNvPr id="1" name=""/>
+        <p:cNvGrpSpPr/>
+        <p:nvPr/>
+      </p:nvGrpSpPr>
+      <p:grpSpPr>
+        <a:xfrm>
+          <a:off x="0" y="0"/>
+          <a:ext cx="0" cy="0"/>
+          <a:chOff x="0" y="0"/>
+          <a:chExt cx="0" cy="0"/>
+        </a:xfrm>
+      </p:grpSpPr>
+      <p:sp>
+        <p:nvSpPr>
+          <p:cNvPr id="5" name="內容版面配置區 4"/>
+          <p:cNvSpPr>
+            <a:spLocks noGrp="1"/>
+          </p:cNvSpPr>
+          <p:nvPr>
+            <p:ph idx="1"/>
+          </p:nvPr>
+        </p:nvSpPr>
+        <p:spPr>
+          <a:xfrm>
+            <a:off x="0" y="2084851"/>
+            <a:ext cx="12192000" cy="2404863"/>
+          </a:xfrm>
+        </p:spPr>
+        <p:txBody>
+          <a:bodyPr anchor="ctr">
             <a:normAutofit/>
           </a:bodyPr>
           <a:lstStyle/>
           <a:p>
-            <a:r>
-              <a:rPr lang="zh-CN" altLang="en-US" sz="4800" b="1" dirty="0">
-                <a:latin typeface="Microsoft JhengHei" panose="020B0604030504040204" pitchFamily="34" charset="-120"/>
-                <a:ea typeface="Microsoft JhengHei" panose="020B0604030504040204" pitchFamily="34" charset="-120"/>
-              </a:rPr>
-              <a:t>恩典之</a:t>
-            </a:r>
-            <a:r>
-              <a:rPr lang="zh-CN" altLang="en-US" sz="4800" b="1" dirty="0" smtClean="0">
-                <a:latin typeface="Microsoft JhengHei" panose="020B0604030504040204" pitchFamily="34" charset="-120"/>
-                <a:ea typeface="Microsoft JhengHei" panose="020B0604030504040204" pitchFamily="34" charset="-120"/>
-              </a:rPr>
-              <a:t>洋</a:t>
-            </a:r>
-            <a:endParaRPr lang="vi-VN" sz="4800" b="1" dirty="0">
-              <a:ea typeface="Microsoft JhengHei" panose="020B0604030504040204" pitchFamily="34" charset="-120"/>
+            <a:pPr marL="0" indent="0" algn="ctr">
+              <a:buNone/>
+            </a:pPr>
+            <a:r>
+              <a:rPr lang="zh-CN" altLang="en-US" sz="6400" b="1" dirty="0">
+                <a:solidFill>
+                  <a:srgbClr val="000066"/>
+                </a:solidFill>
+                <a:latin typeface="微軟正黑體" pitchFamily="34" charset="-120"/>
+                <a:ea typeface="微軟正黑體" pitchFamily="34" charset="-120"/>
+              </a:rPr>
+              <a:t>祢</a:t>
+            </a:r>
+            <a:r>
+              <a:rPr lang="zh-TW" altLang="en-US" sz="6400" b="1" dirty="0">
+                <a:solidFill>
+                  <a:srgbClr val="000066"/>
+                </a:solidFill>
+                <a:latin typeface="微軟正黑體" pitchFamily="34" charset="-120"/>
+                <a:ea typeface="微軟正黑體" pitchFamily="34" charset="-120"/>
+              </a:rPr>
+              <a:t>牽引我</a:t>
+            </a:r>
+            <a:endParaRPr lang="en-US" altLang="zh-TW" sz="6400" b="1" dirty="0">
+              <a:solidFill>
+                <a:srgbClr val="000066"/>
+              </a:solidFill>
+              <a:latin typeface="微軟正黑體" pitchFamily="34" charset="-120"/>
+              <a:ea typeface="微軟正黑體" pitchFamily="34" charset="-120"/>
             </a:endParaRPr>
           </a:p>
-        </p:txBody>
-      </p:sp>
-      <p:sp>
-        <p:nvSpPr>
-          <p:cNvPr id="3" name="Content Placeholder 2"/>
-          <p:cNvSpPr>
-            <a:spLocks noGrp="1"/>
-          </p:cNvSpPr>
-          <p:nvPr>
-            <p:ph idx="1"/>
-          </p:nvPr>
-        </p:nvSpPr>
-        <p:spPr/>
-        <p:txBody>
-          <a:bodyPr>
-            <a:normAutofit/>
-          </a:bodyPr>
-          <a:lstStyle/>
           <a:p>
             <a:pPr marL="0" indent="0" algn="ctr">
               <a:buNone/>
             </a:pPr>
             <a:r>
-              <a:rPr lang="zh-CN" altLang="en-US" sz="5400" b="1" dirty="0">
-                <a:latin typeface="Microsoft JhengHei" panose="020B0604030504040204" pitchFamily="34" charset="-120"/>
-                <a:ea typeface="Microsoft JhengHei" panose="020B0604030504040204" pitchFamily="34" charset="-120"/>
-              </a:rPr>
-              <a:t>袮</a:t>
-            </a:r>
-            <a:r>
-              <a:rPr lang="zh-TW" altLang="en-US" sz="5400" b="1" dirty="0" smtClean="0">
-                <a:latin typeface="Microsoft JhengHei" panose="020B0604030504040204" pitchFamily="34" charset="-120"/>
-                <a:ea typeface="Microsoft JhengHei" panose="020B0604030504040204" pitchFamily="34" charset="-120"/>
-              </a:rPr>
-              <a:t>在</a:t>
-            </a:r>
-            <a:r>
-              <a:rPr lang="zh-TW" altLang="en-US" sz="5400" b="1" dirty="0">
-                <a:latin typeface="Microsoft JhengHei" panose="020B0604030504040204" pitchFamily="34" charset="-120"/>
-                <a:ea typeface="Microsoft JhengHei" panose="020B0604030504040204" pitchFamily="34" charset="-120"/>
-              </a:rPr>
-              <a:t>水面上呼喚著</a:t>
-            </a:r>
-            <a:r>
-              <a:rPr lang="zh-TW" altLang="en-US" sz="5400" b="1" dirty="0" smtClean="0">
-                <a:latin typeface="Microsoft JhengHei" panose="020B0604030504040204" pitchFamily="34" charset="-120"/>
-                <a:ea typeface="Microsoft JhengHei" panose="020B0604030504040204" pitchFamily="34" charset="-120"/>
-              </a:rPr>
-              <a:t>我</a:t>
-            </a:r>
-            <a:endParaRPr lang="en-US" altLang="zh-TW" sz="5400" b="1" dirty="0" smtClean="0">
-              <a:latin typeface="Microsoft JhengHei" panose="020B0604030504040204" pitchFamily="34" charset="-120"/>
-              <a:ea typeface="Microsoft JhengHei" panose="020B0604030504040204" pitchFamily="34" charset="-120"/>
+              <a:rPr lang="zh-TW" altLang="en-US" sz="6400" b="1" dirty="0">
+                <a:solidFill>
+                  <a:srgbClr val="000066"/>
+                </a:solidFill>
+                <a:latin typeface="微軟正黑體" pitchFamily="34" charset="-120"/>
+                <a:ea typeface="微軟正黑體" pitchFamily="34" charset="-120"/>
+              </a:rPr>
+              <a:t>讓我更深與</a:t>
+            </a:r>
+            <a:r>
+              <a:rPr lang="zh-CN" altLang="en-US" sz="6400" b="1" dirty="0">
+                <a:solidFill>
+                  <a:srgbClr val="000066"/>
+                </a:solidFill>
+                <a:latin typeface="微軟正黑體" pitchFamily="34" charset="-120"/>
+                <a:ea typeface="微軟正黑體" pitchFamily="34" charset="-120"/>
+              </a:rPr>
+              <a:t>祢</a:t>
+            </a:r>
+            <a:r>
+              <a:rPr lang="zh-TW" altLang="en-US" sz="6400" b="1" dirty="0">
+                <a:solidFill>
+                  <a:srgbClr val="000066"/>
+                </a:solidFill>
+                <a:latin typeface="微軟正黑體" pitchFamily="34" charset="-120"/>
+                <a:ea typeface="微軟正黑體" pitchFamily="34" charset="-120"/>
+              </a:rPr>
+              <a:t>同行</a:t>
+            </a:r>
+            <a:endParaRPr lang="en-US" altLang="zh-TW" sz="6400" b="1" dirty="0">
+              <a:solidFill>
+                <a:srgbClr val="000066"/>
+              </a:solidFill>
+              <a:latin typeface="微軟正黑體" pitchFamily="34" charset="-120"/>
+              <a:ea typeface="微軟正黑體" pitchFamily="34" charset="-120"/>
             </a:endParaRPr>
           </a:p>
-          <a:p>
-            <a:pPr marL="0" indent="0" algn="ctr">
-              <a:buNone/>
-            </a:pPr>
-            <a:r>
-              <a:rPr lang="zh-TW" altLang="en-US" sz="5400" b="1" dirty="0" smtClean="0">
-                <a:latin typeface="Microsoft JhengHei" panose="020B0604030504040204" pitchFamily="34" charset="-120"/>
-                <a:ea typeface="Microsoft JhengHei" panose="020B0604030504040204" pitchFamily="34" charset="-120"/>
-              </a:rPr>
-              <a:t>跨</a:t>
-            </a:r>
-            <a:r>
-              <a:rPr lang="zh-TW" altLang="en-US" sz="5400" b="1" dirty="0">
-                <a:latin typeface="Microsoft JhengHei" panose="020B0604030504040204" pitchFamily="34" charset="-120"/>
-                <a:ea typeface="Microsoft JhengHei" panose="020B0604030504040204" pitchFamily="34" charset="-120"/>
-              </a:rPr>
-              <a:t>入未</a:t>
-            </a:r>
-            <a:r>
-              <a:rPr lang="zh-TW" altLang="en-US" sz="5400" b="1" dirty="0" smtClean="0">
-                <a:latin typeface="Microsoft JhengHei" panose="020B0604030504040204" pitchFamily="34" charset="-120"/>
-                <a:ea typeface="Microsoft JhengHei" panose="020B0604030504040204" pitchFamily="34" charset="-120"/>
-              </a:rPr>
-              <a:t>知  深</a:t>
-            </a:r>
-            <a:r>
-              <a:rPr lang="zh-TW" altLang="en-US" sz="5400" b="1" dirty="0">
-                <a:latin typeface="Microsoft JhengHei" panose="020B0604030504040204" pitchFamily="34" charset="-120"/>
-                <a:ea typeface="Microsoft JhengHei" panose="020B0604030504040204" pitchFamily="34" charset="-120"/>
-              </a:rPr>
-              <a:t>怕失</a:t>
-            </a:r>
-            <a:r>
-              <a:rPr lang="zh-TW" altLang="en-US" sz="5400" b="1" dirty="0" smtClean="0">
-                <a:latin typeface="Microsoft JhengHei" panose="020B0604030504040204" pitchFamily="34" charset="-120"/>
-                <a:ea typeface="Microsoft JhengHei" panose="020B0604030504040204" pitchFamily="34" charset="-120"/>
-              </a:rPr>
-              <a:t>落</a:t>
-            </a:r>
-            <a:endParaRPr lang="en-US" altLang="zh-TW" sz="5400" b="1" dirty="0" smtClean="0">
-              <a:latin typeface="Microsoft JhengHei" panose="020B0604030504040204" pitchFamily="34" charset="-120"/>
-              <a:ea typeface="Microsoft JhengHei" panose="020B0604030504040204" pitchFamily="34" charset="-120"/>
-            </a:endParaRPr>
-          </a:p>
-          <a:p>
-            <a:pPr marL="0" indent="0" algn="ctr">
-              <a:buNone/>
-            </a:pPr>
-            <a:r>
-              <a:rPr lang="zh-TW" altLang="en-US" sz="5400" b="1" dirty="0" smtClean="0">
-                <a:latin typeface="Microsoft JhengHei" panose="020B0604030504040204" pitchFamily="34" charset="-120"/>
-                <a:ea typeface="Microsoft JhengHei" panose="020B0604030504040204" pitchFamily="34" charset="-120"/>
-              </a:rPr>
-              <a:t>在</a:t>
-            </a:r>
-            <a:r>
-              <a:rPr lang="zh-TW" altLang="en-US" sz="5400" b="1" dirty="0">
-                <a:latin typeface="Microsoft JhengHei" panose="020B0604030504040204" pitchFamily="34" charset="-120"/>
-                <a:ea typeface="Microsoft JhengHei" panose="020B0604030504040204" pitchFamily="34" charset="-120"/>
-              </a:rPr>
-              <a:t>奧秘中當我尋</a:t>
-            </a:r>
-            <a:r>
-              <a:rPr lang="zh-TW" altLang="en-US" sz="5400" b="1" dirty="0" smtClean="0">
-                <a:latin typeface="Microsoft JhengHei" panose="020B0604030504040204" pitchFamily="34" charset="-120"/>
-                <a:ea typeface="Microsoft JhengHei" panose="020B0604030504040204" pitchFamily="34" charset="-120"/>
-              </a:rPr>
-              <a:t>見</a:t>
-            </a:r>
-            <a:r>
-              <a:rPr lang="zh-CN" altLang="en-US" sz="5400" b="1" dirty="0">
-                <a:latin typeface="Microsoft JhengHei" panose="020B0604030504040204" pitchFamily="34" charset="-120"/>
-                <a:ea typeface="Microsoft JhengHei" panose="020B0604030504040204" pitchFamily="34" charset="-120"/>
-              </a:rPr>
-              <a:t>袮</a:t>
-            </a:r>
-            <a:endParaRPr lang="en-US" altLang="zh-TW" sz="5400" b="1" dirty="0" smtClean="0">
-              <a:latin typeface="Microsoft JhengHei" panose="020B0604030504040204" pitchFamily="34" charset="-120"/>
-              <a:ea typeface="Microsoft JhengHei" panose="020B0604030504040204" pitchFamily="34" charset="-120"/>
-            </a:endParaRPr>
-          </a:p>
-          <a:p>
-            <a:pPr marL="0" indent="0" algn="ctr">
-              <a:buNone/>
-            </a:pPr>
-            <a:r>
-              <a:rPr lang="zh-TW" altLang="en-US" sz="5400" b="1" dirty="0" smtClean="0">
-                <a:latin typeface="Microsoft JhengHei" panose="020B0604030504040204" pitchFamily="34" charset="-120"/>
-                <a:ea typeface="Microsoft JhengHei" panose="020B0604030504040204" pitchFamily="34" charset="-120"/>
-              </a:rPr>
-              <a:t>在</a:t>
-            </a:r>
-            <a:r>
-              <a:rPr lang="zh-TW" altLang="en-US" sz="5400" b="1" dirty="0">
-                <a:latin typeface="Microsoft JhengHei" panose="020B0604030504040204" pitchFamily="34" charset="-120"/>
-                <a:ea typeface="Microsoft JhengHei" panose="020B0604030504040204" pitchFamily="34" charset="-120"/>
-              </a:rPr>
-              <a:t>深海</a:t>
-            </a:r>
-            <a:r>
-              <a:rPr lang="zh-TW" altLang="en-US" sz="5400" b="1" dirty="0" smtClean="0">
-                <a:latin typeface="Microsoft JhengHei" panose="020B0604030504040204" pitchFamily="34" charset="-120"/>
-                <a:ea typeface="Microsoft JhengHei" panose="020B0604030504040204" pitchFamily="34" charset="-120"/>
-              </a:rPr>
-              <a:t>裡  我</a:t>
-            </a:r>
-            <a:r>
-              <a:rPr lang="zh-TW" altLang="en-US" sz="5400" b="1" dirty="0">
-                <a:latin typeface="Microsoft JhengHei" panose="020B0604030504040204" pitchFamily="34" charset="-120"/>
-                <a:ea typeface="Microsoft JhengHei" panose="020B0604030504040204" pitchFamily="34" charset="-120"/>
-              </a:rPr>
-              <a:t>仍站立</a:t>
-            </a:r>
-            <a:endParaRPr lang="vi-VN" sz="5400" b="1" dirty="0">
-              <a:ea typeface="Microsoft JhengHei" panose="020B0604030504040204" pitchFamily="34" charset="-120"/>
-            </a:endParaRPr>
-          </a:p>
-        </p:txBody>
-      </p:sp>
-      <p:sp>
-        <p:nvSpPr>
-          <p:cNvPr id="4" name="TextBox 3"/>
+        </p:txBody>
+      </p:sp>
+      <p:sp>
+        <p:nvSpPr>
+          <p:cNvPr id="3" name="TextBox 2"/>
           <p:cNvSpPr txBox="1"/>
           <p:nvPr/>
         </p:nvSpPr>
         <p:spPr>
           <a:xfrm>
-            <a:off x="0" y="5598695"/>
-            <a:ext cx="12192000" cy="646331"/>
+            <a:off x="0" y="5157193"/>
+            <a:ext cx="12192000" cy="584775"/>
           </a:xfrm>
           <a:prstGeom prst="rect">
             <a:avLst/>
@@ -3341,17 +3319,206 @@
           <a:p>
             <a:pPr algn="ctr"/>
             <a:r>
-              <a:rPr lang="en-US" sz="3600" b="1" i="1" dirty="0" smtClean="0"/>
-              <a:t>( Verse 1 )</a:t>
-            </a:r>
-            <a:endParaRPr lang="vi-VN" sz="3600" b="1" i="1" dirty="0"/>
+              <a:rPr lang="en-US" sz="3200" b="1" dirty="0">
+                <a:solidFill>
+                  <a:srgbClr val="000066"/>
+                </a:solidFill>
+                <a:latin typeface="Microsoft JhengHei" panose="020B0604030504040204" pitchFamily="34" charset="-120"/>
+                <a:ea typeface="Microsoft JhengHei" panose="020B0604030504040204" pitchFamily="34" charset="-120"/>
+              </a:rPr>
+              <a:t>( </a:t>
+            </a:r>
+            <a:r>
+              <a:rPr lang="zh-CN" altLang="en-US" sz="3200" b="1" dirty="0">
+                <a:solidFill>
+                  <a:srgbClr val="000066"/>
+                </a:solidFill>
+                <a:latin typeface="Microsoft JhengHei" panose="020B0604030504040204" pitchFamily="34" charset="-120"/>
+                <a:ea typeface="Microsoft JhengHei" panose="020B0604030504040204" pitchFamily="34" charset="-120"/>
+              </a:rPr>
+              <a:t>橋 </a:t>
+            </a:r>
+            <a:r>
+              <a:rPr lang="en-US" sz="3200" b="1" dirty="0">
+                <a:solidFill>
+                  <a:srgbClr val="000066"/>
+                </a:solidFill>
+                <a:latin typeface="Microsoft JhengHei" panose="020B0604030504040204" pitchFamily="34" charset="-120"/>
+                <a:ea typeface="Microsoft JhengHei" panose="020B0604030504040204" pitchFamily="34" charset="-120"/>
+              </a:rPr>
+              <a:t>)</a:t>
+            </a:r>
+            <a:endParaRPr lang="vi-VN" sz="3200" b="1" dirty="0">
+              <a:solidFill>
+                <a:srgbClr val="000066"/>
+              </a:solidFill>
+              <a:ea typeface="Microsoft JhengHei" panose="020B0604030504040204" pitchFamily="34" charset="-120"/>
+            </a:endParaRPr>
           </a:p>
         </p:txBody>
       </p:sp>
     </p:spTree>
     <p:extLst>
       <p:ext uri="{BB962C8B-B14F-4D97-AF65-F5344CB8AC3E}">
-        <p14:creationId xmlns:p14="http://schemas.microsoft.com/office/powerpoint/2010/main" val="2828034040"/>
+        <p14:creationId xmlns:p14="http://schemas.microsoft.com/office/powerpoint/2010/main" val="3811581098"/>
+      </p:ext>
+    </p:extLst>
+  </p:cSld>
+  <p:clrMapOvr>
+    <a:masterClrMapping/>
+  </p:clrMapOvr>
+</p:sld>
+</file>
+
+<file path=ppt/slides/slide11.xml><?xml version="1.0" encoding="utf-8"?>
+<p:sld xmlns:a="http://schemas.openxmlformats.org/drawingml/2006/main" xmlns:r="http://schemas.openxmlformats.org/officeDocument/2006/relationships" xmlns:p="http://schemas.openxmlformats.org/presentationml/2006/main">
+  <p:cSld>
+    <p:spTree>
+      <p:nvGrpSpPr>
+        <p:cNvPr id="1" name=""/>
+        <p:cNvGrpSpPr/>
+        <p:nvPr/>
+      </p:nvGrpSpPr>
+      <p:grpSpPr>
+        <a:xfrm>
+          <a:off x="0" y="0"/>
+          <a:ext cx="0" cy="0"/>
+          <a:chOff x="0" y="0"/>
+          <a:chExt cx="0" cy="0"/>
+        </a:xfrm>
+      </p:grpSpPr>
+      <p:sp>
+        <p:nvSpPr>
+          <p:cNvPr id="5" name="內容版面配置區 4"/>
+          <p:cNvSpPr>
+            <a:spLocks noGrp="1"/>
+          </p:cNvSpPr>
+          <p:nvPr>
+            <p:ph idx="1"/>
+          </p:nvPr>
+        </p:nvSpPr>
+        <p:spPr>
+          <a:xfrm>
+            <a:off x="0" y="2084851"/>
+            <a:ext cx="12192000" cy="2404863"/>
+          </a:xfrm>
+        </p:spPr>
+        <p:txBody>
+          <a:bodyPr anchor="ctr">
+            <a:normAutofit/>
+          </a:bodyPr>
+          <a:lstStyle/>
+          <a:p>
+            <a:pPr marL="0" indent="0" algn="ctr">
+              <a:buNone/>
+            </a:pPr>
+            <a:r>
+              <a:rPr lang="zh-TW" altLang="en-US" sz="6400" b="1" dirty="0">
+                <a:solidFill>
+                  <a:srgbClr val="000066"/>
+                </a:solidFill>
+                <a:latin typeface="微軟正黑體" pitchFamily="34" charset="-120"/>
+                <a:ea typeface="微軟正黑體" pitchFamily="34" charset="-120"/>
+              </a:rPr>
+              <a:t>使我信心更加堅定</a:t>
+            </a:r>
+            <a:endParaRPr lang="en-US" altLang="zh-TW" sz="6400" b="1" dirty="0">
+              <a:solidFill>
+                <a:srgbClr val="000066"/>
+              </a:solidFill>
+              <a:latin typeface="微軟正黑體" pitchFamily="34" charset="-120"/>
+              <a:ea typeface="微軟正黑體" pitchFamily="34" charset="-120"/>
+            </a:endParaRPr>
+          </a:p>
+          <a:p>
+            <a:pPr marL="0" indent="0" algn="ctr">
+              <a:buNone/>
+            </a:pPr>
+            <a:r>
+              <a:rPr lang="zh-TW" altLang="en-US" sz="6400" b="1" dirty="0">
+                <a:solidFill>
+                  <a:srgbClr val="000066"/>
+                </a:solidFill>
+                <a:latin typeface="微軟正黑體" pitchFamily="34" charset="-120"/>
+                <a:ea typeface="微軟正黑體" pitchFamily="34" charset="-120"/>
+              </a:rPr>
+              <a:t>在我救主同在裡</a:t>
+            </a:r>
+            <a:endParaRPr lang="vi-VN" sz="6400" b="1" dirty="0">
+              <a:solidFill>
+                <a:srgbClr val="000066"/>
+              </a:solidFill>
+              <a:ea typeface="微軟正黑體" pitchFamily="34" charset="-120"/>
+            </a:endParaRPr>
+          </a:p>
+        </p:txBody>
+      </p:sp>
+      <p:sp>
+        <p:nvSpPr>
+          <p:cNvPr id="3" name="TextBox 2"/>
+          <p:cNvSpPr txBox="1"/>
+          <p:nvPr/>
+        </p:nvSpPr>
+        <p:spPr>
+          <a:xfrm>
+            <a:off x="0" y="5157193"/>
+            <a:ext cx="12192000" cy="584775"/>
+          </a:xfrm>
+          <a:prstGeom prst="rect">
+            <a:avLst/>
+          </a:prstGeom>
+          <a:noFill/>
+        </p:spPr>
+        <p:txBody>
+          <a:bodyPr wrap="square" rtlCol="0">
+            <a:spAutoFit/>
+          </a:bodyPr>
+          <a:lstStyle/>
+          <a:p>
+            <a:pPr algn="ctr"/>
+            <a:r>
+              <a:rPr lang="en-US" sz="3200" b="1" dirty="0">
+                <a:solidFill>
+                  <a:srgbClr val="000066"/>
+                </a:solidFill>
+                <a:latin typeface="Microsoft JhengHei" panose="020B0604030504040204" pitchFamily="34" charset="-120"/>
+                <a:ea typeface="Microsoft JhengHei" panose="020B0604030504040204" pitchFamily="34" charset="-120"/>
+              </a:rPr>
+              <a:t>( </a:t>
+            </a:r>
+            <a:r>
+              <a:rPr lang="zh-CN" altLang="en-US" sz="3200" b="1" dirty="0">
+                <a:solidFill>
+                  <a:srgbClr val="000066"/>
+                </a:solidFill>
+                <a:latin typeface="Microsoft JhengHei" panose="020B0604030504040204" pitchFamily="34" charset="-120"/>
+                <a:ea typeface="Microsoft JhengHei" panose="020B0604030504040204" pitchFamily="34" charset="-120"/>
+              </a:rPr>
+              <a:t>橋 </a:t>
+            </a:r>
+            <a:r>
+              <a:rPr lang="en-US" sz="3200" b="1" dirty="0">
+                <a:solidFill>
+                  <a:srgbClr val="000066"/>
+                </a:solidFill>
+                <a:latin typeface="Microsoft JhengHei" panose="020B0604030504040204" pitchFamily="34" charset="-120"/>
+                <a:ea typeface="Microsoft JhengHei" panose="020B0604030504040204" pitchFamily="34" charset="-120"/>
+              </a:rPr>
+              <a:t>)</a:t>
+            </a:r>
+            <a:endParaRPr lang="vi-VN" sz="3200" b="1" dirty="0">
+              <a:solidFill>
+                <a:srgbClr val="000066"/>
+              </a:solidFill>
+              <a:ea typeface="Microsoft JhengHei" panose="020B0604030504040204" pitchFamily="34" charset="-120"/>
+            </a:endParaRPr>
+          </a:p>
+        </p:txBody>
+      </p:sp>
+    </p:spTree>
+    <p:extLst>
+      <p:ext uri="{BB962C8B-B14F-4D97-AF65-F5344CB8AC3E}">
+        <p14:creationId xmlns:p14="http://schemas.microsoft.com/office/powerpoint/2010/main" val="2315158816"/>
       </p:ext>
     </p:extLst>
   </p:cSld>
@@ -3380,266 +3547,91 @@
       </p:grpSpPr>
       <p:sp>
         <p:nvSpPr>
-          <p:cNvPr id="2" name="Title 1"/>
-          <p:cNvSpPr>
-            <a:spLocks noGrp="1"/>
-          </p:cNvSpPr>
-          <p:nvPr>
-            <p:ph type="title"/>
-          </p:nvPr>
-        </p:nvSpPr>
-        <p:spPr/>
-        <p:txBody>
-          <a:bodyPr>
+          <p:cNvPr id="5" name="內容版面配置區 4"/>
+          <p:cNvSpPr>
+            <a:spLocks noGrp="1"/>
+          </p:cNvSpPr>
+          <p:nvPr>
+            <p:ph idx="1"/>
+          </p:nvPr>
+        </p:nvSpPr>
+        <p:spPr>
+          <a:xfrm>
+            <a:off x="0" y="2084851"/>
+            <a:ext cx="12192000" cy="2404863"/>
+          </a:xfrm>
+        </p:spPr>
+        <p:txBody>
+          <a:bodyPr anchor="ctr">
             <a:normAutofit/>
           </a:bodyPr>
           <a:lstStyle/>
           <a:p>
-            <a:r>
-              <a:rPr lang="zh-CN" altLang="en-US" sz="4800" b="1" dirty="0">
-                <a:latin typeface="Microsoft JhengHei" panose="020B0604030504040204" pitchFamily="34" charset="-120"/>
-                <a:ea typeface="Microsoft JhengHei" panose="020B0604030504040204" pitchFamily="34" charset="-120"/>
-              </a:rPr>
-              <a:t>恩典之</a:t>
-            </a:r>
-            <a:r>
-              <a:rPr lang="zh-CN" altLang="en-US" sz="4800" b="1" dirty="0" smtClean="0">
-                <a:latin typeface="Microsoft JhengHei" panose="020B0604030504040204" pitchFamily="34" charset="-120"/>
-                <a:ea typeface="Microsoft JhengHei" panose="020B0604030504040204" pitchFamily="34" charset="-120"/>
-              </a:rPr>
-              <a:t>洋</a:t>
-            </a:r>
-            <a:endParaRPr lang="vi-VN" sz="4800" b="1" dirty="0">
-              <a:ea typeface="Microsoft JhengHei" panose="020B0604030504040204" pitchFamily="34" charset="-120"/>
+            <a:pPr marL="0" indent="0" algn="ctr">
+              <a:buNone/>
+            </a:pPr>
+            <a:r>
+              <a:rPr lang="zh-CN" altLang="en-US" sz="6400" b="1" dirty="0">
+                <a:solidFill>
+                  <a:srgbClr val="000066"/>
+                </a:solidFill>
+                <a:latin typeface="微軟正黑體" pitchFamily="34" charset="-120"/>
+                <a:ea typeface="微軟正黑體" pitchFamily="34" charset="-120"/>
+              </a:rPr>
+              <a:t>祢</a:t>
+            </a:r>
+            <a:r>
+              <a:rPr lang="zh-TW" altLang="en-US" sz="6400" b="1" dirty="0">
+                <a:solidFill>
+                  <a:srgbClr val="000066"/>
+                </a:solidFill>
+                <a:latin typeface="微軟正黑體" pitchFamily="34" charset="-120"/>
+                <a:ea typeface="微軟正黑體" pitchFamily="34" charset="-120"/>
+              </a:rPr>
+              <a:t>在水面上呼喚著我</a:t>
+            </a:r>
+            <a:endParaRPr lang="en-US" altLang="zh-TW" sz="6400" b="1" dirty="0">
+              <a:solidFill>
+                <a:srgbClr val="000066"/>
+              </a:solidFill>
+              <a:latin typeface="微軟正黑體" pitchFamily="34" charset="-120"/>
+              <a:ea typeface="微軟正黑體" pitchFamily="34" charset="-120"/>
             </a:endParaRPr>
           </a:p>
-        </p:txBody>
-      </p:sp>
-      <p:sp>
-        <p:nvSpPr>
-          <p:cNvPr id="3" name="Content Placeholder 2"/>
-          <p:cNvSpPr>
-            <a:spLocks noGrp="1"/>
-          </p:cNvSpPr>
-          <p:nvPr>
-            <p:ph idx="1"/>
-          </p:nvPr>
-        </p:nvSpPr>
-        <p:spPr/>
-        <p:txBody>
-          <a:bodyPr>
-            <a:normAutofit/>
-          </a:bodyPr>
-          <a:lstStyle/>
           <a:p>
             <a:pPr marL="0" indent="0" algn="ctr">
               <a:buNone/>
             </a:pPr>
             <a:r>
-              <a:rPr lang="zh-TW" altLang="en-US" sz="5400" b="1" dirty="0">
-                <a:latin typeface="Microsoft JhengHei" panose="020B0604030504040204" pitchFamily="34" charset="-120"/>
-                <a:ea typeface="Microsoft JhengHei" panose="020B0604030504040204" pitchFamily="34" charset="-120"/>
-              </a:rPr>
-              <a:t>我全心呼</a:t>
-            </a:r>
-            <a:r>
-              <a:rPr lang="zh-TW" altLang="en-US" sz="5400" b="1" dirty="0" smtClean="0">
-                <a:latin typeface="Microsoft JhengHei" panose="020B0604030504040204" pitchFamily="34" charset="-120"/>
-                <a:ea typeface="Microsoft JhengHei" panose="020B0604030504040204" pitchFamily="34" charset="-120"/>
-              </a:rPr>
-              <a:t>求</a:t>
-            </a:r>
-            <a:r>
-              <a:rPr lang="zh-CN" altLang="en-US" sz="5400" b="1" dirty="0">
-                <a:latin typeface="Microsoft JhengHei" panose="020B0604030504040204" pitchFamily="34" charset="-120"/>
-                <a:ea typeface="Microsoft JhengHei" panose="020B0604030504040204" pitchFamily="34" charset="-120"/>
-              </a:rPr>
-              <a:t>袮</a:t>
-            </a:r>
-            <a:r>
-              <a:rPr lang="zh-TW" altLang="en-US" sz="5400" b="1" dirty="0" smtClean="0">
-                <a:latin typeface="Microsoft JhengHei" panose="020B0604030504040204" pitchFamily="34" charset="-120"/>
-                <a:ea typeface="Microsoft JhengHei" panose="020B0604030504040204" pitchFamily="34" charset="-120"/>
-              </a:rPr>
-              <a:t>聖</a:t>
-            </a:r>
-            <a:r>
-              <a:rPr lang="zh-TW" altLang="en-US" sz="5400" b="1" dirty="0">
-                <a:latin typeface="Microsoft JhengHei" panose="020B0604030504040204" pitchFamily="34" charset="-120"/>
-                <a:ea typeface="Microsoft JhengHei" panose="020B0604030504040204" pitchFamily="34" charset="-120"/>
-              </a:rPr>
-              <a:t>名</a:t>
-            </a:r>
-            <a:endParaRPr lang="en-US" altLang="zh-TW" sz="5400" b="1" dirty="0">
-              <a:latin typeface="Microsoft JhengHei" panose="020B0604030504040204" pitchFamily="34" charset="-120"/>
-              <a:ea typeface="Microsoft JhengHei" panose="020B0604030504040204" pitchFamily="34" charset="-120"/>
+              <a:rPr lang="zh-TW" altLang="en-US" sz="6400" b="1" dirty="0">
+                <a:solidFill>
+                  <a:srgbClr val="000066"/>
+                </a:solidFill>
+                <a:latin typeface="微軟正黑體" pitchFamily="34" charset="-120"/>
+                <a:ea typeface="微軟正黑體" pitchFamily="34" charset="-120"/>
+              </a:rPr>
+              <a:t>跨入未知  深怕失落</a:t>
+            </a:r>
+            <a:endParaRPr lang="en-US" altLang="zh-TW" sz="6400" b="1" dirty="0">
+              <a:solidFill>
+                <a:srgbClr val="000066"/>
+              </a:solidFill>
+              <a:latin typeface="微軟正黑體" pitchFamily="34" charset="-120"/>
+              <a:ea typeface="微軟正黑體" pitchFamily="34" charset="-120"/>
             </a:endParaRPr>
           </a:p>
-          <a:p>
-            <a:pPr marL="0" indent="0" algn="ctr">
-              <a:buNone/>
-            </a:pPr>
-            <a:r>
-              <a:rPr lang="zh-TW" altLang="en-US" sz="5400" b="1" dirty="0">
-                <a:latin typeface="Microsoft JhengHei" panose="020B0604030504040204" pitchFamily="34" charset="-120"/>
-                <a:ea typeface="Microsoft JhengHei" panose="020B0604030504040204" pitchFamily="34" charset="-120"/>
-              </a:rPr>
-              <a:t>我</a:t>
-            </a:r>
-            <a:r>
-              <a:rPr lang="zh-TW" altLang="en-US" sz="5400" b="1" dirty="0">
-                <a:latin typeface="Microsoft JhengHei" panose="020B0604030504040204" pitchFamily="34" charset="-120"/>
-                <a:ea typeface="Microsoft JhengHei" panose="020B0604030504040204" pitchFamily="34" charset="-120"/>
-              </a:rPr>
-              <a:t>的眼單單仰</a:t>
-            </a:r>
-            <a:r>
-              <a:rPr lang="zh-TW" altLang="en-US" sz="5400" b="1" dirty="0" smtClean="0">
-                <a:latin typeface="Microsoft JhengHei" panose="020B0604030504040204" pitchFamily="34" charset="-120"/>
-                <a:ea typeface="Microsoft JhengHei" panose="020B0604030504040204" pitchFamily="34" charset="-120"/>
-              </a:rPr>
-              <a:t>望</a:t>
-            </a:r>
-            <a:r>
-              <a:rPr lang="zh-CN" altLang="en-US" sz="5400" b="1" dirty="0">
-                <a:latin typeface="Microsoft JhengHei" panose="020B0604030504040204" pitchFamily="34" charset="-120"/>
-                <a:ea typeface="Microsoft JhengHei" panose="020B0604030504040204" pitchFamily="34" charset="-120"/>
-              </a:rPr>
-              <a:t>袮</a:t>
-            </a:r>
-            <a:endParaRPr lang="en-US" altLang="zh-TW" sz="5400" b="1" dirty="0">
-              <a:latin typeface="Microsoft JhengHei" panose="020B0604030504040204" pitchFamily="34" charset="-120"/>
-              <a:ea typeface="Microsoft JhengHei" panose="020B0604030504040204" pitchFamily="34" charset="-120"/>
-            </a:endParaRPr>
-          </a:p>
-          <a:p>
-            <a:pPr marL="0" indent="0" algn="ctr">
-              <a:buNone/>
-            </a:pPr>
-            <a:r>
-              <a:rPr lang="zh-TW" altLang="en-US" sz="5400" b="1" dirty="0">
-                <a:latin typeface="Microsoft JhengHei" panose="020B0604030504040204" pitchFamily="34" charset="-120"/>
-                <a:ea typeface="Microsoft JhengHei" panose="020B0604030504040204" pitchFamily="34" charset="-120"/>
-              </a:rPr>
-              <a:t>大</a:t>
-            </a:r>
-            <a:r>
-              <a:rPr lang="zh-TW" altLang="en-US" sz="5400" b="1" dirty="0">
-                <a:latin typeface="Microsoft JhengHei" panose="020B0604030504040204" pitchFamily="34" charset="-120"/>
-                <a:ea typeface="Microsoft JhengHei" panose="020B0604030504040204" pitchFamily="34" charset="-120"/>
-              </a:rPr>
-              <a:t>海翻</a:t>
-            </a:r>
-            <a:r>
-              <a:rPr lang="zh-TW" altLang="en-US" sz="5400" b="1" dirty="0" smtClean="0">
-                <a:latin typeface="Microsoft JhengHei" panose="020B0604030504040204" pitchFamily="34" charset="-120"/>
-                <a:ea typeface="Microsoft JhengHei" panose="020B0604030504040204" pitchFamily="34" charset="-120"/>
-              </a:rPr>
-              <a:t>騰  我</a:t>
-            </a:r>
-            <a:r>
-              <a:rPr lang="zh-TW" altLang="en-US" sz="5400" b="1" dirty="0">
-                <a:latin typeface="Microsoft JhengHei" panose="020B0604030504040204" pitchFamily="34" charset="-120"/>
-                <a:ea typeface="Microsoft JhengHei" panose="020B0604030504040204" pitchFamily="34" charset="-120"/>
-              </a:rPr>
-              <a:t>卻安</a:t>
-            </a:r>
-            <a:r>
-              <a:rPr lang="zh-TW" altLang="en-US" sz="5400" b="1" dirty="0" smtClean="0">
-                <a:latin typeface="Microsoft JhengHei" panose="020B0604030504040204" pitchFamily="34" charset="-120"/>
-                <a:ea typeface="Microsoft JhengHei" panose="020B0604030504040204" pitchFamily="34" charset="-120"/>
-              </a:rPr>
-              <a:t>息  在</a:t>
-            </a:r>
-            <a:r>
-              <a:rPr lang="zh-CN" altLang="en-US" sz="5400" b="1" dirty="0">
-                <a:latin typeface="Microsoft JhengHei" panose="020B0604030504040204" pitchFamily="34" charset="-120"/>
-                <a:ea typeface="Microsoft JhengHei" panose="020B0604030504040204" pitchFamily="34" charset="-120"/>
-              </a:rPr>
-              <a:t>袮</a:t>
-            </a:r>
-            <a:r>
-              <a:rPr lang="zh-TW" altLang="en-US" sz="5400" b="1" dirty="0" smtClean="0">
-                <a:latin typeface="Microsoft JhengHei" panose="020B0604030504040204" pitchFamily="34" charset="-120"/>
-                <a:ea typeface="Microsoft JhengHei" panose="020B0604030504040204" pitchFamily="34" charset="-120"/>
-              </a:rPr>
-              <a:t>懷</a:t>
-            </a:r>
-            <a:r>
-              <a:rPr lang="zh-TW" altLang="en-US" sz="5400" b="1" dirty="0">
-                <a:latin typeface="Microsoft JhengHei" panose="020B0604030504040204" pitchFamily="34" charset="-120"/>
-                <a:ea typeface="Microsoft JhengHei" panose="020B0604030504040204" pitchFamily="34" charset="-120"/>
-              </a:rPr>
-              <a:t>裡</a:t>
-            </a:r>
-            <a:endParaRPr lang="en-US" altLang="zh-TW" sz="5400" b="1" dirty="0">
-              <a:latin typeface="Microsoft JhengHei" panose="020B0604030504040204" pitchFamily="34" charset="-120"/>
-              <a:ea typeface="Microsoft JhengHei" panose="020B0604030504040204" pitchFamily="34" charset="-120"/>
-            </a:endParaRPr>
-          </a:p>
-          <a:p>
-            <a:pPr marL="0" indent="0" algn="ctr">
-              <a:buNone/>
-            </a:pPr>
-            <a:r>
-              <a:rPr lang="zh-TW" altLang="en-US" sz="5400" b="1" dirty="0" smtClean="0">
-                <a:latin typeface="Microsoft JhengHei" panose="020B0604030504040204" pitchFamily="34" charset="-120"/>
-                <a:ea typeface="Microsoft JhengHei" panose="020B0604030504040204" pitchFamily="34" charset="-120"/>
-              </a:rPr>
-              <a:t>因</a:t>
-            </a:r>
-            <a:r>
-              <a:rPr lang="zh-CN" altLang="en-US" sz="5400" b="1" dirty="0">
-                <a:latin typeface="Microsoft JhengHei" panose="020B0604030504040204" pitchFamily="34" charset="-120"/>
-                <a:ea typeface="Microsoft JhengHei" panose="020B0604030504040204" pitchFamily="34" charset="-120"/>
-              </a:rPr>
-              <a:t>袮</a:t>
-            </a:r>
-            <a:r>
-              <a:rPr lang="zh-TW" altLang="en-US" sz="5400" b="1" dirty="0" smtClean="0">
-                <a:latin typeface="Microsoft JhengHei" panose="020B0604030504040204" pitchFamily="34" charset="-120"/>
-                <a:ea typeface="Microsoft JhengHei" panose="020B0604030504040204" pitchFamily="34" charset="-120"/>
-              </a:rPr>
-              <a:t>屬我  而</a:t>
-            </a:r>
-            <a:r>
-              <a:rPr lang="zh-TW" altLang="en-US" sz="5400" b="1" dirty="0">
-                <a:latin typeface="Microsoft JhengHei" panose="020B0604030504040204" pitchFamily="34" charset="-120"/>
-                <a:ea typeface="Microsoft JhengHei" panose="020B0604030504040204" pitchFamily="34" charset="-120"/>
-              </a:rPr>
-              <a:t>我</a:t>
-            </a:r>
-            <a:r>
-              <a:rPr lang="zh-TW" altLang="en-US" sz="5400" b="1" dirty="0" smtClean="0">
-                <a:latin typeface="Microsoft JhengHei" panose="020B0604030504040204" pitchFamily="34" charset="-120"/>
-                <a:ea typeface="Microsoft JhengHei" panose="020B0604030504040204" pitchFamily="34" charset="-120"/>
-              </a:rPr>
-              <a:t>屬</a:t>
-            </a:r>
-            <a:r>
-              <a:rPr lang="zh-CN" altLang="en-US" sz="5400" b="1" dirty="0">
-                <a:latin typeface="Microsoft JhengHei" panose="020B0604030504040204" pitchFamily="34" charset="-120"/>
-                <a:ea typeface="Microsoft JhengHei" panose="020B0604030504040204" pitchFamily="34" charset="-120"/>
-              </a:rPr>
-              <a:t>袮</a:t>
-            </a:r>
-            <a:endParaRPr lang="vi-VN" sz="5400" b="1" dirty="0">
-              <a:latin typeface="Microsoft JhengHei" panose="020B0604030504040204" pitchFamily="34" charset="-120"/>
-              <a:ea typeface="Microsoft JhengHei" panose="020B0604030504040204" pitchFamily="34" charset="-120"/>
-            </a:endParaRPr>
-          </a:p>
-        </p:txBody>
-      </p:sp>
-      <p:sp>
-        <p:nvSpPr>
-          <p:cNvPr id="4" name="TextBox 3"/>
+        </p:txBody>
+      </p:sp>
+      <p:sp>
+        <p:nvSpPr>
+          <p:cNvPr id="3" name="TextBox 2"/>
           <p:cNvSpPr txBox="1"/>
           <p:nvPr/>
         </p:nvSpPr>
         <p:spPr>
           <a:xfrm>
-            <a:off x="0" y="5598695"/>
-            <a:ext cx="12192000" cy="646331"/>
+            <a:off x="0" y="5157193"/>
+            <a:ext cx="12192000" cy="584775"/>
           </a:xfrm>
           <a:prstGeom prst="rect">
             <a:avLst/>
@@ -3654,19 +3646,45 @@
           <a:p>
             <a:pPr algn="ctr"/>
             <a:r>
-              <a:rPr lang="en-US" sz="3600" b="1" i="1" dirty="0" smtClean="0"/>
-              <a:t>( Chorus )</a:t>
-            </a:r>
-            <a:endParaRPr lang="vi-VN" sz="3600" b="1" i="1" dirty="0"/>
+              <a:rPr lang="en-US" sz="3200" b="1" dirty="0">
+                <a:solidFill>
+                  <a:srgbClr val="000066"/>
+                </a:solidFill>
+                <a:latin typeface="Microsoft JhengHei" panose="020B0604030504040204" pitchFamily="34" charset="-120"/>
+                <a:ea typeface="Microsoft JhengHei" panose="020B0604030504040204" pitchFamily="34" charset="-120"/>
+              </a:rPr>
+              <a:t>( </a:t>
+            </a:r>
+            <a:r>
+              <a:rPr lang="zh-CN" altLang="en-US" sz="3200" b="1" dirty="0">
+                <a:solidFill>
+                  <a:srgbClr val="000066"/>
+                </a:solidFill>
+                <a:latin typeface="Microsoft JhengHei" panose="020B0604030504040204" pitchFamily="34" charset="-120"/>
+                <a:ea typeface="Microsoft JhengHei" panose="020B0604030504040204" pitchFamily="34" charset="-120"/>
+              </a:rPr>
+              <a:t>正歌</a:t>
+            </a:r>
+            <a:r>
+              <a:rPr lang="en-US" sz="3200" b="1" dirty="0">
+                <a:solidFill>
+                  <a:srgbClr val="000066"/>
+                </a:solidFill>
+                <a:latin typeface="Microsoft JhengHei" panose="020B0604030504040204" pitchFamily="34" charset="-120"/>
+                <a:ea typeface="Microsoft JhengHei" panose="020B0604030504040204" pitchFamily="34" charset="-120"/>
+              </a:rPr>
+              <a:t> 1 )</a:t>
+            </a:r>
+            <a:endParaRPr lang="vi-VN" sz="3200" b="1" dirty="0">
+              <a:solidFill>
+                <a:srgbClr val="000066"/>
+              </a:solidFill>
+              <a:ea typeface="Microsoft JhengHei" panose="020B0604030504040204" pitchFamily="34" charset="-120"/>
+            </a:endParaRPr>
           </a:p>
         </p:txBody>
       </p:sp>
     </p:spTree>
-    <p:extLst>
-      <p:ext uri="{BB962C8B-B14F-4D97-AF65-F5344CB8AC3E}">
-        <p14:creationId xmlns:p14="http://schemas.microsoft.com/office/powerpoint/2010/main" val="4210424744"/>
-      </p:ext>
-    </p:extLst>
   </p:cSld>
   <p:clrMapOvr>
     <a:masterClrMapping/>
@@ -3693,245 +3711,90 @@
       </p:grpSpPr>
       <p:sp>
         <p:nvSpPr>
-          <p:cNvPr id="2" name="Title 1"/>
-          <p:cNvSpPr>
-            <a:spLocks noGrp="1"/>
-          </p:cNvSpPr>
-          <p:nvPr>
-            <p:ph type="title"/>
-          </p:nvPr>
-        </p:nvSpPr>
-        <p:spPr/>
-        <p:txBody>
-          <a:bodyPr>
+          <p:cNvPr id="5" name="內容版面配置區 4"/>
+          <p:cNvSpPr>
+            <a:spLocks noGrp="1"/>
+          </p:cNvSpPr>
+          <p:nvPr>
+            <p:ph idx="1"/>
+          </p:nvPr>
+        </p:nvSpPr>
+        <p:spPr>
+          <a:xfrm>
+            <a:off x="0" y="2084851"/>
+            <a:ext cx="12192000" cy="2404863"/>
+          </a:xfrm>
+        </p:spPr>
+        <p:txBody>
+          <a:bodyPr anchor="ctr">
             <a:normAutofit/>
           </a:bodyPr>
           <a:lstStyle/>
           <a:p>
-            <a:r>
-              <a:rPr lang="zh-CN" altLang="en-US" sz="4800" b="1" dirty="0">
-                <a:latin typeface="Microsoft JhengHei" panose="020B0604030504040204" pitchFamily="34" charset="-120"/>
-                <a:ea typeface="Microsoft JhengHei" panose="020B0604030504040204" pitchFamily="34" charset="-120"/>
-              </a:rPr>
-              <a:t>恩典之</a:t>
-            </a:r>
-            <a:r>
-              <a:rPr lang="zh-CN" altLang="en-US" sz="4800" b="1" dirty="0" smtClean="0">
-                <a:latin typeface="Microsoft JhengHei" panose="020B0604030504040204" pitchFamily="34" charset="-120"/>
-                <a:ea typeface="Microsoft JhengHei" panose="020B0604030504040204" pitchFamily="34" charset="-120"/>
-              </a:rPr>
-              <a:t>洋</a:t>
-            </a:r>
-            <a:endParaRPr lang="vi-VN" sz="4800" b="1" dirty="0">
-              <a:ea typeface="Microsoft JhengHei" panose="020B0604030504040204" pitchFamily="34" charset="-120"/>
+            <a:pPr marL="0" indent="0" algn="ctr">
+              <a:buNone/>
+            </a:pPr>
+            <a:r>
+              <a:rPr lang="zh-TW" altLang="en-US" sz="6400" b="1" dirty="0">
+                <a:solidFill>
+                  <a:srgbClr val="000066"/>
+                </a:solidFill>
+                <a:latin typeface="微軟正黑體" pitchFamily="34" charset="-120"/>
+                <a:ea typeface="微軟正黑體" pitchFamily="34" charset="-120"/>
+              </a:rPr>
+              <a:t>在奧秘中當我尋見</a:t>
+            </a:r>
+            <a:r>
+              <a:rPr lang="zh-CN" altLang="en-US" sz="6400" b="1" dirty="0">
+                <a:solidFill>
+                  <a:srgbClr val="000066"/>
+                </a:solidFill>
+                <a:latin typeface="微軟正黑體" pitchFamily="34" charset="-120"/>
+                <a:ea typeface="微軟正黑體" pitchFamily="34" charset="-120"/>
+              </a:rPr>
+              <a:t>祢</a:t>
+            </a:r>
+            <a:endParaRPr lang="en-US" altLang="zh-TW" sz="6400" b="1" dirty="0">
+              <a:solidFill>
+                <a:srgbClr val="000066"/>
+              </a:solidFill>
+              <a:latin typeface="微軟正黑體" pitchFamily="34" charset="-120"/>
+              <a:ea typeface="微軟正黑體" pitchFamily="34" charset="-120"/>
             </a:endParaRPr>
           </a:p>
-        </p:txBody>
-      </p:sp>
-      <p:sp>
-        <p:nvSpPr>
-          <p:cNvPr id="3" name="Content Placeholder 2"/>
-          <p:cNvSpPr>
-            <a:spLocks noGrp="1"/>
-          </p:cNvSpPr>
-          <p:nvPr>
-            <p:ph idx="1"/>
-          </p:nvPr>
-        </p:nvSpPr>
-        <p:spPr/>
-        <p:txBody>
-          <a:bodyPr>
-            <a:normAutofit/>
-          </a:bodyPr>
-          <a:lstStyle/>
           <a:p>
             <a:pPr marL="0" indent="0" algn="ctr">
               <a:buNone/>
             </a:pPr>
             <a:r>
-              <a:rPr lang="zh-TW" altLang="en-US" sz="5400" b="1" dirty="0">
-                <a:latin typeface="Microsoft JhengHei" panose="020B0604030504040204" pitchFamily="34" charset="-120"/>
-                <a:ea typeface="Microsoft JhengHei" panose="020B0604030504040204" pitchFamily="34" charset="-120"/>
-              </a:rPr>
-              <a:t>水深之</a:t>
-            </a:r>
-            <a:r>
-              <a:rPr lang="zh-TW" altLang="en-US" sz="5400" b="1" dirty="0" smtClean="0">
-                <a:latin typeface="Microsoft JhengHei" panose="020B0604030504040204" pitchFamily="34" charset="-120"/>
-                <a:ea typeface="Microsoft JhengHei" panose="020B0604030504040204" pitchFamily="34" charset="-120"/>
-              </a:rPr>
-              <a:t>處  </a:t>
-            </a:r>
-            <a:r>
-              <a:rPr lang="zh-CN" altLang="en-US" sz="5400" b="1" dirty="0" smtClean="0">
-                <a:latin typeface="Microsoft JhengHei" panose="020B0604030504040204" pitchFamily="34" charset="-120"/>
-                <a:ea typeface="Microsoft JhengHei" panose="020B0604030504040204" pitchFamily="34" charset="-120"/>
-              </a:rPr>
-              <a:t>袮</a:t>
-            </a:r>
-            <a:r>
-              <a:rPr lang="zh-TW" altLang="en-US" sz="5400" b="1" dirty="0" smtClean="0">
-                <a:latin typeface="Microsoft JhengHei" panose="020B0604030504040204" pitchFamily="34" charset="-120"/>
-                <a:ea typeface="Microsoft JhengHei" panose="020B0604030504040204" pitchFamily="34" charset="-120"/>
-              </a:rPr>
-              <a:t>恩</a:t>
-            </a:r>
-            <a:r>
-              <a:rPr lang="zh-TW" altLang="en-US" sz="5400" b="1" dirty="0">
-                <a:latin typeface="Microsoft JhengHei" panose="020B0604030504040204" pitchFamily="34" charset="-120"/>
-                <a:ea typeface="Microsoft JhengHei" panose="020B0604030504040204" pitchFamily="34" charset="-120"/>
-              </a:rPr>
-              <a:t>典湧</a:t>
-            </a:r>
-            <a:r>
-              <a:rPr lang="zh-TW" altLang="en-US" sz="5400" b="1" dirty="0">
-                <a:latin typeface="Microsoft JhengHei" panose="020B0604030504040204" pitchFamily="34" charset="-120"/>
-                <a:ea typeface="Microsoft JhengHei" panose="020B0604030504040204" pitchFamily="34" charset="-120"/>
-              </a:rPr>
-              <a:t>流</a:t>
-            </a:r>
-            <a:endParaRPr lang="en-US" altLang="zh-TW" sz="5400" b="1" dirty="0">
-              <a:latin typeface="Microsoft JhengHei" panose="020B0604030504040204" pitchFamily="34" charset="-120"/>
-              <a:ea typeface="Microsoft JhengHei" panose="020B0604030504040204" pitchFamily="34" charset="-120"/>
+              <a:rPr lang="zh-TW" altLang="en-US" sz="6400" b="1" dirty="0">
+                <a:solidFill>
+                  <a:srgbClr val="000066"/>
+                </a:solidFill>
+                <a:latin typeface="微軟正黑體" pitchFamily="34" charset="-120"/>
+                <a:ea typeface="微軟正黑體" pitchFamily="34" charset="-120"/>
+              </a:rPr>
+              <a:t>在深海裡  我仍站立</a:t>
+            </a:r>
+            <a:endParaRPr lang="vi-VN" sz="6400" b="1" dirty="0">
+              <a:solidFill>
+                <a:srgbClr val="000066"/>
+              </a:solidFill>
+              <a:ea typeface="微軟正黑體" pitchFamily="34" charset="-120"/>
             </a:endParaRPr>
           </a:p>
-          <a:p>
-            <a:pPr marL="0" indent="0" algn="ctr">
-              <a:buNone/>
-            </a:pPr>
-            <a:r>
-              <a:rPr lang="zh-CN" altLang="en-US" sz="5400" b="1" dirty="0">
-                <a:latin typeface="Microsoft JhengHei" panose="020B0604030504040204" pitchFamily="34" charset="-120"/>
-                <a:ea typeface="Microsoft JhengHei" panose="020B0604030504040204" pitchFamily="34" charset="-120"/>
-              </a:rPr>
-              <a:t>袮</a:t>
-            </a:r>
-            <a:r>
-              <a:rPr lang="zh-TW" altLang="en-US" sz="5400" b="1" dirty="0" smtClean="0">
-                <a:latin typeface="Microsoft JhengHei" panose="020B0604030504040204" pitchFamily="34" charset="-120"/>
-                <a:ea typeface="Microsoft JhengHei" panose="020B0604030504040204" pitchFamily="34" charset="-120"/>
-              </a:rPr>
-              <a:t>手</a:t>
-            </a:r>
-            <a:r>
-              <a:rPr lang="zh-TW" altLang="en-US" sz="5400" b="1" dirty="0">
-                <a:latin typeface="Microsoft JhengHei" panose="020B0604030504040204" pitchFamily="34" charset="-120"/>
-                <a:ea typeface="Microsoft JhengHei" panose="020B0604030504040204" pitchFamily="34" charset="-120"/>
-              </a:rPr>
-              <a:t>掌</a:t>
-            </a:r>
-            <a:r>
-              <a:rPr lang="zh-TW" altLang="en-US" sz="5400" b="1" dirty="0" smtClean="0">
-                <a:latin typeface="Microsoft JhengHei" panose="020B0604030504040204" pitchFamily="34" charset="-120"/>
-                <a:ea typeface="Microsoft JhengHei" panose="020B0604030504040204" pitchFamily="34" charset="-120"/>
-              </a:rPr>
-              <a:t>權  牽</a:t>
-            </a:r>
-            <a:r>
-              <a:rPr lang="zh-TW" altLang="en-US" sz="5400" b="1" dirty="0">
-                <a:latin typeface="Microsoft JhengHei" panose="020B0604030504040204" pitchFamily="34" charset="-120"/>
-                <a:ea typeface="Microsoft JhengHei" panose="020B0604030504040204" pitchFamily="34" charset="-120"/>
-              </a:rPr>
-              <a:t>引著</a:t>
-            </a:r>
-            <a:r>
-              <a:rPr lang="zh-TW" altLang="en-US" sz="5400" b="1" dirty="0">
-                <a:latin typeface="Microsoft JhengHei" panose="020B0604030504040204" pitchFamily="34" charset="-120"/>
-                <a:ea typeface="Microsoft JhengHei" panose="020B0604030504040204" pitchFamily="34" charset="-120"/>
-              </a:rPr>
-              <a:t>我</a:t>
-            </a:r>
-            <a:endParaRPr lang="en-US" altLang="zh-TW" sz="5400" b="1" dirty="0">
-              <a:latin typeface="Microsoft JhengHei" panose="020B0604030504040204" pitchFamily="34" charset="-120"/>
-              <a:ea typeface="Microsoft JhengHei" panose="020B0604030504040204" pitchFamily="34" charset="-120"/>
-            </a:endParaRPr>
-          </a:p>
-          <a:p>
-            <a:pPr marL="0" indent="0" algn="ctr">
-              <a:buNone/>
-            </a:pPr>
-            <a:r>
-              <a:rPr lang="zh-TW" altLang="en-US" sz="5400" b="1" dirty="0">
-                <a:latin typeface="Microsoft JhengHei" panose="020B0604030504040204" pitchFamily="34" charset="-120"/>
-                <a:ea typeface="Microsoft JhengHei" panose="020B0604030504040204" pitchFamily="34" charset="-120"/>
-              </a:rPr>
-              <a:t>就</a:t>
-            </a:r>
-            <a:r>
-              <a:rPr lang="zh-TW" altLang="en-US" sz="5400" b="1" dirty="0">
-                <a:latin typeface="Microsoft JhengHei" panose="020B0604030504040204" pitchFamily="34" charset="-120"/>
-                <a:ea typeface="Microsoft JhengHei" panose="020B0604030504040204" pitchFamily="34" charset="-120"/>
-              </a:rPr>
-              <a:t>在我深陷恐懼軟</a:t>
-            </a:r>
-            <a:r>
-              <a:rPr lang="zh-TW" altLang="en-US" sz="5400" b="1" dirty="0">
-                <a:latin typeface="Microsoft JhengHei" panose="020B0604030504040204" pitchFamily="34" charset="-120"/>
-                <a:ea typeface="Microsoft JhengHei" panose="020B0604030504040204" pitchFamily="34" charset="-120"/>
-              </a:rPr>
-              <a:t>弱</a:t>
-            </a:r>
-            <a:endParaRPr lang="en-US" altLang="zh-TW" sz="5400" b="1" dirty="0">
-              <a:latin typeface="Microsoft JhengHei" panose="020B0604030504040204" pitchFamily="34" charset="-120"/>
-              <a:ea typeface="Microsoft JhengHei" panose="020B0604030504040204" pitchFamily="34" charset="-120"/>
-            </a:endParaRPr>
-          </a:p>
-          <a:p>
-            <a:pPr marL="0" indent="0" algn="ctr">
-              <a:buNone/>
-            </a:pPr>
-            <a:r>
-              <a:rPr lang="zh-CN" altLang="en-US" sz="5400" b="1" dirty="0">
-                <a:latin typeface="Microsoft JhengHei" panose="020B0604030504040204" pitchFamily="34" charset="-120"/>
-                <a:ea typeface="Microsoft JhengHei" panose="020B0604030504040204" pitchFamily="34" charset="-120"/>
-              </a:rPr>
-              <a:t>袮</a:t>
-            </a:r>
-            <a:r>
-              <a:rPr lang="zh-TW" altLang="en-US" sz="5400" b="1" dirty="0" smtClean="0">
-                <a:latin typeface="Microsoft JhengHei" panose="020B0604030504040204" pitchFamily="34" charset="-120"/>
-                <a:ea typeface="Microsoft JhengHei" panose="020B0604030504040204" pitchFamily="34" charset="-120"/>
-              </a:rPr>
-              <a:t>永</a:t>
-            </a:r>
-            <a:r>
-              <a:rPr lang="zh-TW" altLang="en-US" sz="5400" b="1" dirty="0">
-                <a:latin typeface="Microsoft JhengHei" panose="020B0604030504040204" pitchFamily="34" charset="-120"/>
-                <a:ea typeface="Microsoft JhengHei" panose="020B0604030504040204" pitchFamily="34" charset="-120"/>
-              </a:rPr>
-              <a:t>不失</a:t>
-            </a:r>
-            <a:r>
-              <a:rPr lang="zh-TW" altLang="en-US" sz="5400" b="1" dirty="0" smtClean="0">
-                <a:latin typeface="Microsoft JhengHei" panose="020B0604030504040204" pitchFamily="34" charset="-120"/>
-                <a:ea typeface="Microsoft JhengHei" panose="020B0604030504040204" pitchFamily="34" charset="-120"/>
-              </a:rPr>
-              <a:t>手  扶</a:t>
-            </a:r>
-            <a:r>
-              <a:rPr lang="zh-TW" altLang="en-US" sz="5400" b="1" dirty="0">
-                <a:latin typeface="Microsoft JhengHei" panose="020B0604030504040204" pitchFamily="34" charset="-120"/>
-                <a:ea typeface="Microsoft JhengHei" panose="020B0604030504040204" pitchFamily="34" charset="-120"/>
-              </a:rPr>
-              <a:t>持著我</a:t>
-            </a:r>
-            <a:endParaRPr lang="vi-VN" sz="5400" b="1" dirty="0">
-              <a:latin typeface="Microsoft JhengHei" panose="020B0604030504040204" pitchFamily="34" charset="-120"/>
-              <a:ea typeface="Microsoft JhengHei" panose="020B0604030504040204" pitchFamily="34" charset="-120"/>
-            </a:endParaRPr>
-          </a:p>
-        </p:txBody>
-      </p:sp>
-      <p:sp>
-        <p:nvSpPr>
-          <p:cNvPr id="4" name="TextBox 3"/>
+        </p:txBody>
+      </p:sp>
+      <p:sp>
+        <p:nvSpPr>
+          <p:cNvPr id="3" name="TextBox 2"/>
           <p:cNvSpPr txBox="1"/>
           <p:nvPr/>
         </p:nvSpPr>
         <p:spPr>
           <a:xfrm>
-            <a:off x="0" y="5598695"/>
-            <a:ext cx="12192000" cy="646331"/>
+            <a:off x="0" y="5157193"/>
+            <a:ext cx="12192000" cy="584775"/>
           </a:xfrm>
           <a:prstGeom prst="rect">
             <a:avLst/>
@@ -3946,17 +3809,48 @@
           <a:p>
             <a:pPr algn="ctr"/>
             <a:r>
-              <a:rPr lang="en-US" sz="3600" b="1" i="1" dirty="0" smtClean="0"/>
-              <a:t>( Verse 2 )</a:t>
-            </a:r>
-            <a:endParaRPr lang="vi-VN" sz="3600" b="1" i="1" dirty="0"/>
+              <a:rPr lang="en-US" sz="3200" b="1" dirty="0">
+                <a:solidFill>
+                  <a:srgbClr val="000066"/>
+                </a:solidFill>
+                <a:latin typeface="Microsoft JhengHei" panose="020B0604030504040204" pitchFamily="34" charset="-120"/>
+                <a:ea typeface="Microsoft JhengHei" panose="020B0604030504040204" pitchFamily="34" charset="-120"/>
+              </a:rPr>
+              <a:t>( </a:t>
+            </a:r>
+            <a:r>
+              <a:rPr lang="zh-CN" altLang="en-US" sz="3200" b="1" dirty="0">
+                <a:solidFill>
+                  <a:srgbClr val="000066"/>
+                </a:solidFill>
+                <a:latin typeface="Microsoft JhengHei" panose="020B0604030504040204" pitchFamily="34" charset="-120"/>
+                <a:ea typeface="Microsoft JhengHei" panose="020B0604030504040204" pitchFamily="34" charset="-120"/>
+              </a:rPr>
+              <a:t>正歌</a:t>
+            </a:r>
+            <a:r>
+              <a:rPr lang="en-US" sz="3200" b="1" dirty="0">
+                <a:solidFill>
+                  <a:srgbClr val="000066"/>
+                </a:solidFill>
+                <a:latin typeface="Microsoft JhengHei" panose="020B0604030504040204" pitchFamily="34" charset="-120"/>
+                <a:ea typeface="Microsoft JhengHei" panose="020B0604030504040204" pitchFamily="34" charset="-120"/>
+              </a:rPr>
+              <a:t> 1 )</a:t>
+            </a:r>
+            <a:endParaRPr lang="vi-VN" sz="3200" b="1" dirty="0">
+              <a:solidFill>
+                <a:srgbClr val="000066"/>
+              </a:solidFill>
+              <a:ea typeface="Microsoft JhengHei" panose="020B0604030504040204" pitchFamily="34" charset="-120"/>
+            </a:endParaRPr>
           </a:p>
         </p:txBody>
       </p:sp>
     </p:spTree>
     <p:extLst>
       <p:ext uri="{BB962C8B-B14F-4D97-AF65-F5344CB8AC3E}">
-        <p14:creationId xmlns:p14="http://schemas.microsoft.com/office/powerpoint/2010/main" val="3250564097"/>
+        <p14:creationId xmlns:p14="http://schemas.microsoft.com/office/powerpoint/2010/main" val="96925144"/>
       </p:ext>
     </p:extLst>
   </p:cSld>
@@ -3985,159 +3879,111 @@
       </p:grpSpPr>
       <p:sp>
         <p:nvSpPr>
-          <p:cNvPr id="2" name="Title 1"/>
-          <p:cNvSpPr>
-            <a:spLocks noGrp="1"/>
-          </p:cNvSpPr>
-          <p:nvPr>
-            <p:ph type="title"/>
-          </p:nvPr>
-        </p:nvSpPr>
-        <p:spPr/>
-        <p:txBody>
-          <a:bodyPr>
+          <p:cNvPr id="5" name="內容版面配置區 4"/>
+          <p:cNvSpPr>
+            <a:spLocks noGrp="1"/>
+          </p:cNvSpPr>
+          <p:nvPr>
+            <p:ph idx="1"/>
+          </p:nvPr>
+        </p:nvSpPr>
+        <p:spPr>
+          <a:xfrm>
+            <a:off x="0" y="2084851"/>
+            <a:ext cx="12192000" cy="2404863"/>
+          </a:xfrm>
+        </p:spPr>
+        <p:txBody>
+          <a:bodyPr anchor="ctr">
             <a:normAutofit/>
           </a:bodyPr>
           <a:lstStyle/>
           <a:p>
-            <a:r>
-              <a:rPr lang="zh-CN" altLang="en-US" sz="4800" b="1" dirty="0">
-                <a:latin typeface="Microsoft JhengHei" panose="020B0604030504040204" pitchFamily="34" charset="-120"/>
-                <a:ea typeface="Microsoft JhengHei" panose="020B0604030504040204" pitchFamily="34" charset="-120"/>
-              </a:rPr>
-              <a:t>恩典之</a:t>
-            </a:r>
-            <a:r>
-              <a:rPr lang="zh-CN" altLang="en-US" sz="4800" b="1" dirty="0" smtClean="0">
-                <a:latin typeface="Microsoft JhengHei" panose="020B0604030504040204" pitchFamily="34" charset="-120"/>
-                <a:ea typeface="Microsoft JhengHei" panose="020B0604030504040204" pitchFamily="34" charset="-120"/>
-              </a:rPr>
-              <a:t>洋</a:t>
-            </a:r>
-            <a:endParaRPr lang="vi-VN" sz="4800" b="1" dirty="0">
-              <a:ea typeface="Microsoft JhengHei" panose="020B0604030504040204" pitchFamily="34" charset="-120"/>
+            <a:pPr marL="0" indent="0" algn="ctr">
+              <a:buNone/>
+            </a:pPr>
+            <a:r>
+              <a:rPr lang="zh-TW" altLang="en-US" sz="6400" b="1" dirty="0">
+                <a:solidFill>
+                  <a:srgbClr val="000066"/>
+                </a:solidFill>
+                <a:latin typeface="微軟正黑體" pitchFamily="34" charset="-120"/>
+                <a:ea typeface="微軟正黑體" pitchFamily="34" charset="-120"/>
+              </a:rPr>
+              <a:t>我全心呼求</a:t>
+            </a:r>
+            <a:r>
+              <a:rPr lang="zh-CN" altLang="en-US" sz="6400" b="1" dirty="0">
+                <a:solidFill>
+                  <a:srgbClr val="000066"/>
+                </a:solidFill>
+                <a:latin typeface="微軟正黑體" pitchFamily="34" charset="-120"/>
+                <a:ea typeface="微軟正黑體" pitchFamily="34" charset="-120"/>
+              </a:rPr>
+              <a:t>祢</a:t>
+            </a:r>
+            <a:r>
+              <a:rPr lang="zh-TW" altLang="en-US" sz="6400" b="1" dirty="0">
+                <a:solidFill>
+                  <a:srgbClr val="000066"/>
+                </a:solidFill>
+                <a:latin typeface="微軟正黑體" pitchFamily="34" charset="-120"/>
+                <a:ea typeface="微軟正黑體" pitchFamily="34" charset="-120"/>
+              </a:rPr>
+              <a:t>聖名</a:t>
+            </a:r>
+            <a:endParaRPr lang="en-US" altLang="zh-TW" sz="6400" b="1" dirty="0">
+              <a:solidFill>
+                <a:srgbClr val="000066"/>
+              </a:solidFill>
+              <a:latin typeface="微軟正黑體" pitchFamily="34" charset="-120"/>
+              <a:ea typeface="微軟正黑體" pitchFamily="34" charset="-120"/>
             </a:endParaRPr>
           </a:p>
-        </p:txBody>
-      </p:sp>
-      <p:sp>
-        <p:nvSpPr>
-          <p:cNvPr id="3" name="Content Placeholder 2"/>
-          <p:cNvSpPr>
-            <a:spLocks noGrp="1"/>
-          </p:cNvSpPr>
-          <p:nvPr>
-            <p:ph idx="1"/>
-          </p:nvPr>
-        </p:nvSpPr>
-        <p:spPr/>
-        <p:txBody>
-          <a:bodyPr>
-            <a:noAutofit/>
-          </a:bodyPr>
-          <a:lstStyle/>
           <a:p>
             <a:pPr marL="0" indent="0" algn="ctr">
               <a:buNone/>
             </a:pPr>
             <a:r>
-              <a:rPr lang="zh-TW" altLang="en-US" sz="5400" b="1" dirty="0">
-                <a:latin typeface="Microsoft JhengHei" panose="020B0604030504040204" pitchFamily="34" charset="-120"/>
-                <a:ea typeface="Microsoft JhengHei" panose="020B0604030504040204" pitchFamily="34" charset="-120"/>
-              </a:rPr>
-              <a:t>聖靈引</a:t>
-            </a:r>
-            <a:r>
-              <a:rPr lang="zh-TW" altLang="en-US" sz="5400" b="1" dirty="0" smtClean="0">
-                <a:latin typeface="Microsoft JhengHei" panose="020B0604030504040204" pitchFamily="34" charset="-120"/>
-                <a:ea typeface="Microsoft JhengHei" panose="020B0604030504040204" pitchFamily="34" charset="-120"/>
-              </a:rPr>
-              <a:t>領  使</a:t>
-            </a:r>
-            <a:r>
-              <a:rPr lang="zh-TW" altLang="en-US" sz="5400" b="1" dirty="0">
-                <a:latin typeface="Microsoft JhengHei" panose="020B0604030504040204" pitchFamily="34" charset="-120"/>
-                <a:ea typeface="Microsoft JhengHei" panose="020B0604030504040204" pitchFamily="34" charset="-120"/>
-              </a:rPr>
-              <a:t>我信心沒有界</a:t>
-            </a:r>
-            <a:r>
-              <a:rPr lang="zh-TW" altLang="en-US" sz="5400" b="1" dirty="0">
-                <a:latin typeface="Microsoft JhengHei" panose="020B0604030504040204" pitchFamily="34" charset="-120"/>
-                <a:ea typeface="Microsoft JhengHei" panose="020B0604030504040204" pitchFamily="34" charset="-120"/>
-              </a:rPr>
-              <a:t>線</a:t>
-            </a:r>
-            <a:endParaRPr lang="en-US" altLang="zh-TW" sz="5400" b="1" dirty="0">
-              <a:latin typeface="Microsoft JhengHei" panose="020B0604030504040204" pitchFamily="34" charset="-120"/>
-              <a:ea typeface="Microsoft JhengHei" panose="020B0604030504040204" pitchFamily="34" charset="-120"/>
+              <a:rPr lang="zh-TW" altLang="en-US" sz="6400" b="1" dirty="0">
+                <a:solidFill>
+                  <a:srgbClr val="000066"/>
+                </a:solidFill>
+                <a:latin typeface="微軟正黑體" pitchFamily="34" charset="-120"/>
+                <a:ea typeface="微軟正黑體" pitchFamily="34" charset="-120"/>
+              </a:rPr>
+              <a:t>我的眼單單仰望</a:t>
+            </a:r>
+            <a:r>
+              <a:rPr lang="zh-CN" altLang="en-US" sz="6400" b="1" dirty="0">
+                <a:solidFill>
+                  <a:srgbClr val="000066"/>
+                </a:solidFill>
+                <a:latin typeface="微軟正黑體" pitchFamily="34" charset="-120"/>
+                <a:ea typeface="微軟正黑體" pitchFamily="34" charset="-120"/>
+              </a:rPr>
+              <a:t>祢</a:t>
+            </a:r>
+            <a:endParaRPr lang="en-US" altLang="zh-TW" sz="6400" b="1" dirty="0">
+              <a:solidFill>
+                <a:srgbClr val="000066"/>
+              </a:solidFill>
+              <a:latin typeface="微軟正黑體" pitchFamily="34" charset="-120"/>
+              <a:ea typeface="微軟正黑體" pitchFamily="34" charset="-120"/>
             </a:endParaRPr>
           </a:p>
-          <a:p>
-            <a:pPr marL="0" indent="0" algn="ctr">
-              <a:buNone/>
-            </a:pPr>
-            <a:r>
-              <a:rPr lang="zh-TW" altLang="en-US" sz="5400" b="1" dirty="0">
-                <a:latin typeface="Microsoft JhengHei" panose="020B0604030504040204" pitchFamily="34" charset="-120"/>
-                <a:ea typeface="Microsoft JhengHei" panose="020B0604030504040204" pitchFamily="34" charset="-120"/>
-              </a:rPr>
-              <a:t>讓</a:t>
-            </a:r>
-            <a:r>
-              <a:rPr lang="zh-TW" altLang="en-US" sz="5400" b="1" dirty="0">
-                <a:latin typeface="Microsoft JhengHei" panose="020B0604030504040204" pitchFamily="34" charset="-120"/>
-                <a:ea typeface="Microsoft JhengHei" panose="020B0604030504040204" pitchFamily="34" charset="-120"/>
-              </a:rPr>
-              <a:t>我能行走在水面 </a:t>
-            </a:r>
-            <a:endParaRPr lang="en-US" altLang="zh-TW" sz="5400" b="1" dirty="0">
-              <a:latin typeface="Microsoft JhengHei" panose="020B0604030504040204" pitchFamily="34" charset="-120"/>
-              <a:ea typeface="Microsoft JhengHei" panose="020B0604030504040204" pitchFamily="34" charset="-120"/>
-            </a:endParaRPr>
-          </a:p>
-          <a:p>
-            <a:pPr marL="0" indent="0" algn="ctr">
-              <a:buNone/>
-            </a:pPr>
-            <a:r>
-              <a:rPr lang="zh-TW" altLang="en-US" sz="5400" b="1" dirty="0">
-                <a:latin typeface="Microsoft JhengHei" panose="020B0604030504040204" pitchFamily="34" charset="-120"/>
-                <a:ea typeface="Microsoft JhengHei" panose="020B0604030504040204" pitchFamily="34" charset="-120"/>
-              </a:rPr>
-              <a:t>呼</a:t>
-            </a:r>
-            <a:r>
-              <a:rPr lang="zh-TW" altLang="en-US" sz="5400" b="1" dirty="0">
-                <a:latin typeface="Microsoft JhengHei" panose="020B0604030504040204" pitchFamily="34" charset="-120"/>
-                <a:ea typeface="Microsoft JhengHei" panose="020B0604030504040204" pitchFamily="34" charset="-120"/>
-              </a:rPr>
-              <a:t>召我快跑跟</a:t>
-            </a:r>
-            <a:r>
-              <a:rPr lang="zh-TW" altLang="en-US" sz="5400" b="1" dirty="0" smtClean="0">
-                <a:latin typeface="Microsoft JhengHei" panose="020B0604030504040204" pitchFamily="34" charset="-120"/>
-                <a:ea typeface="Microsoft JhengHei" panose="020B0604030504040204" pitchFamily="34" charset="-120"/>
-              </a:rPr>
-              <a:t>隨</a:t>
-            </a:r>
-            <a:endParaRPr lang="en-US" altLang="zh-TW" sz="5400" b="1" dirty="0">
-              <a:latin typeface="Microsoft JhengHei" panose="020B0604030504040204" pitchFamily="34" charset="-120"/>
-              <a:ea typeface="Microsoft JhengHei" panose="020B0604030504040204" pitchFamily="34" charset="-120"/>
-            </a:endParaRPr>
-          </a:p>
-        </p:txBody>
-      </p:sp>
-      <p:sp>
-        <p:nvSpPr>
-          <p:cNvPr id="4" name="TextBox 3"/>
+        </p:txBody>
+      </p:sp>
+      <p:sp>
+        <p:nvSpPr>
+          <p:cNvPr id="3" name="TextBox 2"/>
           <p:cNvSpPr txBox="1"/>
           <p:nvPr/>
         </p:nvSpPr>
         <p:spPr>
           <a:xfrm>
-            <a:off x="0" y="5598695"/>
-            <a:ext cx="12192000" cy="646331"/>
+            <a:off x="0" y="5157193"/>
+            <a:ext cx="12192000" cy="584775"/>
           </a:xfrm>
           <a:prstGeom prst="rect">
             <a:avLst/>
@@ -4152,25 +3998,48 @@
           <a:p>
             <a:pPr algn="ctr"/>
             <a:r>
-              <a:rPr lang="en-US" sz="3600" b="1" i="1" dirty="0" smtClean="0"/>
+              <a:rPr lang="en-US" sz="3200" b="1" dirty="0">
+                <a:solidFill>
+                  <a:srgbClr val="000066"/>
+                </a:solidFill>
+                <a:latin typeface="Microsoft JhengHei" panose="020B0604030504040204" pitchFamily="34" charset="-120"/>
+                <a:ea typeface="Microsoft JhengHei" panose="020B0604030504040204" pitchFamily="34" charset="-120"/>
+              </a:rPr>
               <a:t>( </a:t>
             </a:r>
             <a:r>
-              <a:rPr lang="en-US" sz="3600" b="1" i="1" dirty="0"/>
-              <a:t>B</a:t>
-            </a:r>
-            <a:r>
-              <a:rPr lang="en-US" sz="3600" b="1" i="1" dirty="0" smtClean="0"/>
-              <a:t>ridge )</a:t>
-            </a:r>
-            <a:endParaRPr lang="vi-VN" sz="3600" b="1" i="1" dirty="0"/>
+              <a:rPr lang="zh-CN" altLang="en-US" sz="3200" b="1" dirty="0">
+                <a:solidFill>
+                  <a:srgbClr val="000066"/>
+                </a:solidFill>
+                <a:latin typeface="Microsoft JhengHei" panose="020B0604030504040204" pitchFamily="34" charset="-120"/>
+                <a:ea typeface="Microsoft JhengHei" panose="020B0604030504040204" pitchFamily="34" charset="-120"/>
+              </a:rPr>
+              <a:t>副歌</a:t>
+            </a:r>
+            <a:r>
+              <a:rPr lang="en-US" sz="3200" b="1" dirty="0">
+                <a:solidFill>
+                  <a:srgbClr val="000066"/>
+                </a:solidFill>
+                <a:latin typeface="Microsoft JhengHei" panose="020B0604030504040204" pitchFamily="34" charset="-120"/>
+                <a:ea typeface="Microsoft JhengHei" panose="020B0604030504040204" pitchFamily="34" charset="-120"/>
+              </a:rPr>
+              <a:t> )</a:t>
+            </a:r>
+            <a:endParaRPr lang="vi-VN" sz="3200" b="1" dirty="0">
+              <a:solidFill>
+                <a:srgbClr val="000066"/>
+              </a:solidFill>
+              <a:ea typeface="Microsoft JhengHei" panose="020B0604030504040204" pitchFamily="34" charset="-120"/>
+            </a:endParaRPr>
           </a:p>
         </p:txBody>
       </p:sp>
     </p:spTree>
     <p:extLst>
       <p:ext uri="{BB962C8B-B14F-4D97-AF65-F5344CB8AC3E}">
-        <p14:creationId xmlns:p14="http://schemas.microsoft.com/office/powerpoint/2010/main" val="3374475776"/>
+        <p14:creationId xmlns:p14="http://schemas.microsoft.com/office/powerpoint/2010/main" val="2055023059"/>
       </p:ext>
     </p:extLst>
   </p:cSld>
@@ -4199,208 +4068,130 @@
       </p:grpSpPr>
       <p:sp>
         <p:nvSpPr>
-          <p:cNvPr id="2" name="Title 1"/>
-          <p:cNvSpPr>
-            <a:spLocks noGrp="1"/>
-          </p:cNvSpPr>
-          <p:nvPr>
-            <p:ph type="title"/>
-          </p:nvPr>
-        </p:nvSpPr>
-        <p:spPr/>
-        <p:txBody>
-          <a:bodyPr>
+          <p:cNvPr id="5" name="內容版面配置區 4"/>
+          <p:cNvSpPr>
+            <a:spLocks noGrp="1"/>
+          </p:cNvSpPr>
+          <p:nvPr>
+            <p:ph idx="1"/>
+          </p:nvPr>
+        </p:nvSpPr>
+        <p:spPr>
+          <a:xfrm>
+            <a:off x="0" y="2084851"/>
+            <a:ext cx="12192000" cy="2404863"/>
+          </a:xfrm>
+        </p:spPr>
+        <p:txBody>
+          <a:bodyPr anchor="ctr">
             <a:normAutofit/>
           </a:bodyPr>
           <a:lstStyle/>
           <a:p>
-            <a:r>
-              <a:rPr lang="zh-CN" altLang="en-US" sz="4800" b="1" dirty="0">
-                <a:latin typeface="Microsoft JhengHei" panose="020B0604030504040204" pitchFamily="34" charset="-120"/>
-                <a:ea typeface="Microsoft JhengHei" panose="020B0604030504040204" pitchFamily="34" charset="-120"/>
-              </a:rPr>
-              <a:t>恩典之</a:t>
-            </a:r>
-            <a:r>
-              <a:rPr lang="zh-CN" altLang="en-US" sz="4800" b="1" dirty="0" smtClean="0">
-                <a:latin typeface="Microsoft JhengHei" panose="020B0604030504040204" pitchFamily="34" charset="-120"/>
-                <a:ea typeface="Microsoft JhengHei" panose="020B0604030504040204" pitchFamily="34" charset="-120"/>
-              </a:rPr>
-              <a:t>洋</a:t>
-            </a:r>
-            <a:endParaRPr lang="vi-VN" sz="4800" b="1" dirty="0">
-              <a:ea typeface="Microsoft JhengHei" panose="020B0604030504040204" pitchFamily="34" charset="-120"/>
+            <a:pPr marL="0" indent="0" algn="ctr">
+              <a:buNone/>
+            </a:pPr>
+            <a:r>
+              <a:rPr lang="zh-TW" altLang="en-US" sz="6400" b="1" dirty="0">
+                <a:solidFill>
+                  <a:srgbClr val="000066"/>
+                </a:solidFill>
+                <a:latin typeface="微軟正黑體" pitchFamily="34" charset="-120"/>
+                <a:ea typeface="微軟正黑體" pitchFamily="34" charset="-120"/>
+              </a:rPr>
+              <a:t>大海翻騰  我卻安息  在</a:t>
+            </a:r>
+            <a:r>
+              <a:rPr lang="zh-CN" altLang="en-US" sz="6400" b="1" dirty="0">
+                <a:solidFill>
+                  <a:srgbClr val="000066"/>
+                </a:solidFill>
+                <a:latin typeface="微軟正黑體" pitchFamily="34" charset="-120"/>
+                <a:ea typeface="微軟正黑體" pitchFamily="34" charset="-120"/>
+              </a:rPr>
+              <a:t>祢</a:t>
+            </a:r>
+            <a:r>
+              <a:rPr lang="zh-TW" altLang="en-US" sz="6400" b="1" dirty="0">
+                <a:solidFill>
+                  <a:srgbClr val="000066"/>
+                </a:solidFill>
+                <a:latin typeface="微軟正黑體" pitchFamily="34" charset="-120"/>
+                <a:ea typeface="微軟正黑體" pitchFamily="34" charset="-120"/>
+              </a:rPr>
+              <a:t>懷裡</a:t>
+            </a:r>
+            <a:endParaRPr lang="en-US" altLang="zh-TW" sz="6400" b="1" dirty="0">
+              <a:solidFill>
+                <a:srgbClr val="000066"/>
+              </a:solidFill>
+              <a:latin typeface="微軟正黑體" pitchFamily="34" charset="-120"/>
+              <a:ea typeface="微軟正黑體" pitchFamily="34" charset="-120"/>
             </a:endParaRPr>
           </a:p>
-        </p:txBody>
-      </p:sp>
-      <p:sp>
-        <p:nvSpPr>
-          <p:cNvPr id="3" name="Content Placeholder 2"/>
-          <p:cNvSpPr>
-            <a:spLocks noGrp="1"/>
-          </p:cNvSpPr>
-          <p:nvPr>
-            <p:ph idx="1"/>
-          </p:nvPr>
-        </p:nvSpPr>
-        <p:spPr/>
-        <p:txBody>
-          <a:bodyPr>
-            <a:noAutofit/>
-          </a:bodyPr>
-          <a:lstStyle/>
           <a:p>
             <a:pPr marL="0" indent="0" algn="ctr">
               <a:buNone/>
             </a:pPr>
             <a:r>
-              <a:rPr lang="zh-CN" altLang="en-US" sz="5400" b="1" dirty="0">
-                <a:latin typeface="Microsoft JhengHei" panose="020B0604030504040204" pitchFamily="34" charset="-120"/>
-                <a:ea typeface="Microsoft JhengHei" panose="020B0604030504040204" pitchFamily="34" charset="-120"/>
-              </a:rPr>
-              <a:t>袮</a:t>
-            </a:r>
-            <a:r>
-              <a:rPr lang="zh-TW" altLang="en-US" sz="5400" b="1" dirty="0" smtClean="0">
-                <a:latin typeface="Microsoft JhengHei" panose="020B0604030504040204" pitchFamily="34" charset="-120"/>
-                <a:ea typeface="Microsoft JhengHei" panose="020B0604030504040204" pitchFamily="34" charset="-120"/>
-              </a:rPr>
-              <a:t>牽</a:t>
-            </a:r>
-            <a:r>
-              <a:rPr lang="zh-TW" altLang="en-US" sz="5400" b="1" dirty="0">
-                <a:latin typeface="Microsoft JhengHei" panose="020B0604030504040204" pitchFamily="34" charset="-120"/>
-                <a:ea typeface="Microsoft JhengHei" panose="020B0604030504040204" pitchFamily="34" charset="-120"/>
-              </a:rPr>
-              <a:t>引</a:t>
-            </a:r>
-            <a:r>
-              <a:rPr lang="zh-TW" altLang="en-US" sz="5400" b="1" dirty="0" smtClean="0">
-                <a:latin typeface="Microsoft JhengHei" panose="020B0604030504040204" pitchFamily="34" charset="-120"/>
-                <a:ea typeface="Microsoft JhengHei" panose="020B0604030504040204" pitchFamily="34" charset="-120"/>
-              </a:rPr>
-              <a:t>我</a:t>
-            </a:r>
-            <a:r>
-              <a:rPr lang="zh-TW" altLang="en-US" sz="5400" b="1" dirty="0">
-                <a:latin typeface="Microsoft JhengHei" panose="020B0604030504040204" pitchFamily="34" charset="-120"/>
-                <a:ea typeface="Microsoft JhengHei" panose="020B0604030504040204" pitchFamily="34" charset="-120"/>
-              </a:rPr>
-              <a:t> </a:t>
-            </a:r>
-            <a:r>
-              <a:rPr lang="zh-TW" altLang="en-US" sz="5400" b="1" dirty="0" smtClean="0">
-                <a:latin typeface="Microsoft JhengHei" panose="020B0604030504040204" pitchFamily="34" charset="-120"/>
-                <a:ea typeface="Microsoft JhengHei" panose="020B0604030504040204" pitchFamily="34" charset="-120"/>
-              </a:rPr>
-              <a:t> 讓</a:t>
-            </a:r>
-            <a:r>
-              <a:rPr lang="zh-TW" altLang="en-US" sz="5400" b="1" dirty="0">
-                <a:latin typeface="Microsoft JhengHei" panose="020B0604030504040204" pitchFamily="34" charset="-120"/>
-                <a:ea typeface="Microsoft JhengHei" panose="020B0604030504040204" pitchFamily="34" charset="-120"/>
-              </a:rPr>
-              <a:t>我更深</a:t>
-            </a:r>
-            <a:r>
-              <a:rPr lang="zh-TW" altLang="en-US" sz="5400" b="1" dirty="0" smtClean="0">
-                <a:latin typeface="Microsoft JhengHei" panose="020B0604030504040204" pitchFamily="34" charset="-120"/>
-                <a:ea typeface="Microsoft JhengHei" panose="020B0604030504040204" pitchFamily="34" charset="-120"/>
-              </a:rPr>
-              <a:t>與</a:t>
-            </a:r>
-            <a:r>
-              <a:rPr lang="zh-CN" altLang="en-US" sz="5400" b="1" dirty="0">
-                <a:latin typeface="Microsoft JhengHei" panose="020B0604030504040204" pitchFamily="34" charset="-120"/>
-                <a:ea typeface="Microsoft JhengHei" panose="020B0604030504040204" pitchFamily="34" charset="-120"/>
-              </a:rPr>
-              <a:t>袮</a:t>
-            </a:r>
-            <a:r>
-              <a:rPr lang="zh-TW" altLang="en-US" sz="5400" b="1" dirty="0" smtClean="0">
-                <a:latin typeface="Microsoft JhengHei" panose="020B0604030504040204" pitchFamily="34" charset="-120"/>
-                <a:ea typeface="Microsoft JhengHei" panose="020B0604030504040204" pitchFamily="34" charset="-120"/>
-              </a:rPr>
-              <a:t>同</a:t>
-            </a:r>
-            <a:r>
-              <a:rPr lang="zh-TW" altLang="en-US" sz="5400" b="1" dirty="0">
-                <a:latin typeface="Microsoft JhengHei" panose="020B0604030504040204" pitchFamily="34" charset="-120"/>
-                <a:ea typeface="Microsoft JhengHei" panose="020B0604030504040204" pitchFamily="34" charset="-120"/>
-              </a:rPr>
-              <a:t>行</a:t>
-            </a:r>
-            <a:endParaRPr lang="en-US" altLang="zh-TW" sz="5400" b="1" dirty="0">
-              <a:latin typeface="Microsoft JhengHei" panose="020B0604030504040204" pitchFamily="34" charset="-120"/>
-              <a:ea typeface="Microsoft JhengHei" panose="020B0604030504040204" pitchFamily="34" charset="-120"/>
+              <a:rPr lang="zh-TW" altLang="en-US" sz="6400" b="1" dirty="0">
+                <a:solidFill>
+                  <a:srgbClr val="000066"/>
+                </a:solidFill>
+                <a:latin typeface="微軟正黑體" pitchFamily="34" charset="-120"/>
+                <a:ea typeface="微軟正黑體" pitchFamily="34" charset="-120"/>
+              </a:rPr>
+              <a:t>因</a:t>
+            </a:r>
+            <a:r>
+              <a:rPr lang="zh-CN" altLang="en-US" sz="6400" b="1" dirty="0">
+                <a:solidFill>
+                  <a:srgbClr val="000066"/>
+                </a:solidFill>
+                <a:latin typeface="微軟正黑體" pitchFamily="34" charset="-120"/>
+                <a:ea typeface="微軟正黑體" pitchFamily="34" charset="-120"/>
+              </a:rPr>
+              <a:t>祢</a:t>
+            </a:r>
+            <a:r>
+              <a:rPr lang="zh-TW" altLang="en-US" sz="6400" b="1" dirty="0">
+                <a:solidFill>
+                  <a:srgbClr val="000066"/>
+                </a:solidFill>
+                <a:latin typeface="微軟正黑體" pitchFamily="34" charset="-120"/>
+                <a:ea typeface="微軟正黑體" pitchFamily="34" charset="-120"/>
+              </a:rPr>
+              <a:t>屬我  而我屬</a:t>
+            </a:r>
+            <a:r>
+              <a:rPr lang="zh-CN" altLang="en-US" sz="6400" b="1" dirty="0">
+                <a:solidFill>
+                  <a:srgbClr val="000066"/>
+                </a:solidFill>
+                <a:latin typeface="微軟正黑體" pitchFamily="34" charset="-120"/>
+                <a:ea typeface="微軟正黑體" pitchFamily="34" charset="-120"/>
+              </a:rPr>
+              <a:t>祢</a:t>
+            </a:r>
+            <a:endParaRPr lang="vi-VN" sz="6400" b="1" dirty="0">
+              <a:solidFill>
+                <a:srgbClr val="000066"/>
+              </a:solidFill>
+              <a:ea typeface="微軟正黑體" pitchFamily="34" charset="-120"/>
             </a:endParaRPr>
           </a:p>
-          <a:p>
-            <a:pPr marL="0" indent="0" algn="ctr">
-              <a:buNone/>
-            </a:pPr>
-            <a:r>
-              <a:rPr lang="zh-TW" altLang="en-US" sz="5400" b="1" dirty="0">
-                <a:latin typeface="Microsoft JhengHei" panose="020B0604030504040204" pitchFamily="34" charset="-120"/>
-                <a:ea typeface="Microsoft JhengHei" panose="020B0604030504040204" pitchFamily="34" charset="-120"/>
-              </a:rPr>
-              <a:t>使</a:t>
-            </a:r>
-            <a:r>
-              <a:rPr lang="zh-TW" altLang="en-US" sz="5400" b="1" dirty="0">
-                <a:latin typeface="Microsoft JhengHei" panose="020B0604030504040204" pitchFamily="34" charset="-120"/>
-                <a:ea typeface="Microsoft JhengHei" panose="020B0604030504040204" pitchFamily="34" charset="-120"/>
-              </a:rPr>
-              <a:t>我信心更加堅</a:t>
-            </a:r>
-            <a:r>
-              <a:rPr lang="zh-TW" altLang="en-US" sz="5400" b="1" dirty="0" smtClean="0">
-                <a:latin typeface="Microsoft JhengHei" panose="020B0604030504040204" pitchFamily="34" charset="-120"/>
-                <a:ea typeface="Microsoft JhengHei" panose="020B0604030504040204" pitchFamily="34" charset="-120"/>
-              </a:rPr>
-              <a:t>定</a:t>
-            </a:r>
-            <a:endParaRPr lang="en-US" altLang="zh-TW" sz="5400" b="1" dirty="0" smtClean="0">
-              <a:latin typeface="Microsoft JhengHei" panose="020B0604030504040204" pitchFamily="34" charset="-120"/>
-              <a:ea typeface="Microsoft JhengHei" panose="020B0604030504040204" pitchFamily="34" charset="-120"/>
-            </a:endParaRPr>
-          </a:p>
-          <a:p>
-            <a:pPr marL="0" indent="0" algn="ctr">
-              <a:buNone/>
-            </a:pPr>
-            <a:r>
-              <a:rPr lang="zh-TW" altLang="en-US" sz="5400" b="1" dirty="0" smtClean="0">
-                <a:latin typeface="Microsoft JhengHei" panose="020B0604030504040204" pitchFamily="34" charset="-120"/>
-                <a:ea typeface="Microsoft JhengHei" panose="020B0604030504040204" pitchFamily="34" charset="-120"/>
-              </a:rPr>
-              <a:t>在</a:t>
-            </a:r>
-            <a:r>
-              <a:rPr lang="zh-TW" altLang="en-US" sz="5400" b="1" dirty="0">
-                <a:latin typeface="Microsoft JhengHei" panose="020B0604030504040204" pitchFamily="34" charset="-120"/>
-                <a:ea typeface="Microsoft JhengHei" panose="020B0604030504040204" pitchFamily="34" charset="-120"/>
-              </a:rPr>
-              <a:t>我救主同在裡</a:t>
-            </a:r>
-            <a:endParaRPr lang="vi-VN" sz="5400" b="1" dirty="0">
-              <a:latin typeface="Microsoft JhengHei" panose="020B0604030504040204" pitchFamily="34" charset="-120"/>
-              <a:ea typeface="Microsoft JhengHei" panose="020B0604030504040204" pitchFamily="34" charset="-120"/>
-            </a:endParaRPr>
-          </a:p>
-        </p:txBody>
-      </p:sp>
-      <p:sp>
-        <p:nvSpPr>
-          <p:cNvPr id="4" name="TextBox 3"/>
+        </p:txBody>
+      </p:sp>
+      <p:sp>
+        <p:nvSpPr>
+          <p:cNvPr id="3" name="TextBox 2"/>
           <p:cNvSpPr txBox="1"/>
           <p:nvPr/>
         </p:nvSpPr>
         <p:spPr>
           <a:xfrm>
-            <a:off x="0" y="5598695"/>
-            <a:ext cx="12192000" cy="646331"/>
+            <a:off x="0" y="5157193"/>
+            <a:ext cx="12192000" cy="584775"/>
           </a:xfrm>
           <a:prstGeom prst="rect">
             <a:avLst/>
@@ -4415,25 +4206,723 @@
           <a:p>
             <a:pPr algn="ctr"/>
             <a:r>
-              <a:rPr lang="en-US" sz="3600" b="1" i="1" dirty="0" smtClean="0"/>
+              <a:rPr lang="en-US" sz="3200" b="1" dirty="0">
+                <a:solidFill>
+                  <a:srgbClr val="000066"/>
+                </a:solidFill>
+                <a:latin typeface="Microsoft JhengHei" panose="020B0604030504040204" pitchFamily="34" charset="-120"/>
+                <a:ea typeface="Microsoft JhengHei" panose="020B0604030504040204" pitchFamily="34" charset="-120"/>
+              </a:rPr>
               <a:t>( </a:t>
             </a:r>
             <a:r>
-              <a:rPr lang="en-US" sz="3600" b="1" i="1" dirty="0"/>
-              <a:t>B</a:t>
-            </a:r>
-            <a:r>
-              <a:rPr lang="en-US" sz="3600" b="1" i="1" dirty="0" smtClean="0"/>
-              <a:t>ridge )</a:t>
-            </a:r>
-            <a:endParaRPr lang="vi-VN" sz="3600" b="1" i="1" dirty="0"/>
+              <a:rPr lang="zh-CN" altLang="en-US" sz="3200" b="1" dirty="0">
+                <a:solidFill>
+                  <a:srgbClr val="000066"/>
+                </a:solidFill>
+                <a:latin typeface="Microsoft JhengHei" panose="020B0604030504040204" pitchFamily="34" charset="-120"/>
+                <a:ea typeface="Microsoft JhengHei" panose="020B0604030504040204" pitchFamily="34" charset="-120"/>
+              </a:rPr>
+              <a:t>副歌</a:t>
+            </a:r>
+            <a:r>
+              <a:rPr lang="en-US" sz="3200" b="1" dirty="0">
+                <a:solidFill>
+                  <a:srgbClr val="000066"/>
+                </a:solidFill>
+                <a:latin typeface="Microsoft JhengHei" panose="020B0604030504040204" pitchFamily="34" charset="-120"/>
+                <a:ea typeface="Microsoft JhengHei" panose="020B0604030504040204" pitchFamily="34" charset="-120"/>
+              </a:rPr>
+              <a:t> )</a:t>
+            </a:r>
+            <a:endParaRPr lang="vi-VN" sz="3200" b="1" dirty="0">
+              <a:solidFill>
+                <a:srgbClr val="000066"/>
+              </a:solidFill>
+              <a:ea typeface="Microsoft JhengHei" panose="020B0604030504040204" pitchFamily="34" charset="-120"/>
+            </a:endParaRPr>
           </a:p>
         </p:txBody>
       </p:sp>
     </p:spTree>
     <p:extLst>
       <p:ext uri="{BB962C8B-B14F-4D97-AF65-F5344CB8AC3E}">
-        <p14:creationId xmlns:p14="http://schemas.microsoft.com/office/powerpoint/2010/main" val="771512411"/>
+        <p14:creationId xmlns:p14="http://schemas.microsoft.com/office/powerpoint/2010/main" val="3193413869"/>
+      </p:ext>
+    </p:extLst>
+  </p:cSld>
+  <p:clrMapOvr>
+    <a:masterClrMapping/>
+  </p:clrMapOvr>
+</p:sld>
+</file>
+
+<file path=ppt/slides/slide6.xml><?xml version="1.0" encoding="utf-8"?>
+<p:sld xmlns:a="http://schemas.openxmlformats.org/drawingml/2006/main" xmlns:r="http://schemas.openxmlformats.org/officeDocument/2006/relationships" xmlns:p="http://schemas.openxmlformats.org/presentationml/2006/main">
+  <p:cSld>
+    <p:spTree>
+      <p:nvGrpSpPr>
+        <p:cNvPr id="1" name=""/>
+        <p:cNvGrpSpPr/>
+        <p:nvPr/>
+      </p:nvGrpSpPr>
+      <p:grpSpPr>
+        <a:xfrm>
+          <a:off x="0" y="0"/>
+          <a:ext cx="0" cy="0"/>
+          <a:chOff x="0" y="0"/>
+          <a:chExt cx="0" cy="0"/>
+        </a:xfrm>
+      </p:grpSpPr>
+      <p:sp>
+        <p:nvSpPr>
+          <p:cNvPr id="5" name="內容版面配置區 4"/>
+          <p:cNvSpPr>
+            <a:spLocks noGrp="1"/>
+          </p:cNvSpPr>
+          <p:nvPr>
+            <p:ph idx="1"/>
+          </p:nvPr>
+        </p:nvSpPr>
+        <p:spPr>
+          <a:xfrm>
+            <a:off x="0" y="2084851"/>
+            <a:ext cx="12192000" cy="2404863"/>
+          </a:xfrm>
+        </p:spPr>
+        <p:txBody>
+          <a:bodyPr anchor="ctr">
+            <a:normAutofit/>
+          </a:bodyPr>
+          <a:lstStyle/>
+          <a:p>
+            <a:pPr marL="0" indent="0" algn="ctr">
+              <a:buNone/>
+            </a:pPr>
+            <a:r>
+              <a:rPr lang="zh-TW" altLang="en-US" sz="6400" b="1" dirty="0">
+                <a:solidFill>
+                  <a:srgbClr val="000066"/>
+                </a:solidFill>
+                <a:latin typeface="微軟正黑體" pitchFamily="34" charset="-120"/>
+                <a:ea typeface="微軟正黑體" pitchFamily="34" charset="-120"/>
+              </a:rPr>
+              <a:t>水深之處  </a:t>
+            </a:r>
+            <a:r>
+              <a:rPr lang="zh-CN" altLang="en-US" sz="6400" b="1" dirty="0">
+                <a:solidFill>
+                  <a:srgbClr val="000066"/>
+                </a:solidFill>
+                <a:latin typeface="微軟正黑體" pitchFamily="34" charset="-120"/>
+                <a:ea typeface="微軟正黑體" pitchFamily="34" charset="-120"/>
+              </a:rPr>
+              <a:t>祢</a:t>
+            </a:r>
+            <a:r>
+              <a:rPr lang="zh-TW" altLang="en-US" sz="6400" b="1" dirty="0">
+                <a:solidFill>
+                  <a:srgbClr val="000066"/>
+                </a:solidFill>
+                <a:latin typeface="微軟正黑體" pitchFamily="34" charset="-120"/>
+                <a:ea typeface="微軟正黑體" pitchFamily="34" charset="-120"/>
+              </a:rPr>
+              <a:t>恩典湧流</a:t>
+            </a:r>
+            <a:endParaRPr lang="en-US" altLang="zh-TW" sz="6400" b="1" dirty="0">
+              <a:solidFill>
+                <a:srgbClr val="000066"/>
+              </a:solidFill>
+              <a:latin typeface="微軟正黑體" pitchFamily="34" charset="-120"/>
+              <a:ea typeface="微軟正黑體" pitchFamily="34" charset="-120"/>
+            </a:endParaRPr>
+          </a:p>
+          <a:p>
+            <a:pPr marL="0" indent="0" algn="ctr">
+              <a:buNone/>
+            </a:pPr>
+            <a:r>
+              <a:rPr lang="zh-CN" altLang="en-US" sz="6400" b="1" dirty="0">
+                <a:solidFill>
+                  <a:srgbClr val="000066"/>
+                </a:solidFill>
+                <a:latin typeface="微軟正黑體" pitchFamily="34" charset="-120"/>
+                <a:ea typeface="微軟正黑體" pitchFamily="34" charset="-120"/>
+              </a:rPr>
+              <a:t>祢</a:t>
+            </a:r>
+            <a:r>
+              <a:rPr lang="zh-TW" altLang="en-US" sz="6400" b="1" dirty="0">
+                <a:solidFill>
+                  <a:srgbClr val="000066"/>
+                </a:solidFill>
+                <a:latin typeface="微軟正黑體" pitchFamily="34" charset="-120"/>
+                <a:ea typeface="微軟正黑體" pitchFamily="34" charset="-120"/>
+              </a:rPr>
+              <a:t>手掌權  牽引著我</a:t>
+            </a:r>
+            <a:endParaRPr lang="en-US" altLang="zh-TW" sz="6400" b="1" dirty="0">
+              <a:solidFill>
+                <a:srgbClr val="000066"/>
+              </a:solidFill>
+              <a:latin typeface="微軟正黑體" pitchFamily="34" charset="-120"/>
+              <a:ea typeface="微軟正黑體" pitchFamily="34" charset="-120"/>
+            </a:endParaRPr>
+          </a:p>
+        </p:txBody>
+      </p:sp>
+      <p:sp>
+        <p:nvSpPr>
+          <p:cNvPr id="3" name="TextBox 2"/>
+          <p:cNvSpPr txBox="1"/>
+          <p:nvPr/>
+        </p:nvSpPr>
+        <p:spPr>
+          <a:xfrm>
+            <a:off x="0" y="5157193"/>
+            <a:ext cx="12192000" cy="584775"/>
+          </a:xfrm>
+          <a:prstGeom prst="rect">
+            <a:avLst/>
+          </a:prstGeom>
+          <a:noFill/>
+        </p:spPr>
+        <p:txBody>
+          <a:bodyPr wrap="square" rtlCol="0">
+            <a:spAutoFit/>
+          </a:bodyPr>
+          <a:lstStyle/>
+          <a:p>
+            <a:pPr algn="ctr"/>
+            <a:r>
+              <a:rPr lang="en-US" sz="3200" b="1" dirty="0">
+                <a:solidFill>
+                  <a:srgbClr val="000066"/>
+                </a:solidFill>
+                <a:latin typeface="Microsoft JhengHei" panose="020B0604030504040204" pitchFamily="34" charset="-120"/>
+                <a:ea typeface="Microsoft JhengHei" panose="020B0604030504040204" pitchFamily="34" charset="-120"/>
+              </a:rPr>
+              <a:t>( </a:t>
+            </a:r>
+            <a:r>
+              <a:rPr lang="zh-CN" altLang="en-US" sz="3200" b="1" dirty="0">
+                <a:solidFill>
+                  <a:srgbClr val="000066"/>
+                </a:solidFill>
+                <a:latin typeface="Microsoft JhengHei" panose="020B0604030504040204" pitchFamily="34" charset="-120"/>
+                <a:ea typeface="Microsoft JhengHei" panose="020B0604030504040204" pitchFamily="34" charset="-120"/>
+              </a:rPr>
+              <a:t>正歌</a:t>
+            </a:r>
+            <a:r>
+              <a:rPr lang="en-US" sz="3200" b="1" dirty="0">
+                <a:solidFill>
+                  <a:srgbClr val="000066"/>
+                </a:solidFill>
+                <a:latin typeface="Microsoft JhengHei" panose="020B0604030504040204" pitchFamily="34" charset="-120"/>
+                <a:ea typeface="Microsoft JhengHei" panose="020B0604030504040204" pitchFamily="34" charset="-120"/>
+              </a:rPr>
+              <a:t> 2 )</a:t>
+            </a:r>
+            <a:endParaRPr lang="vi-VN" sz="3200" b="1" dirty="0">
+              <a:solidFill>
+                <a:srgbClr val="000066"/>
+              </a:solidFill>
+              <a:ea typeface="Microsoft JhengHei" panose="020B0604030504040204" pitchFamily="34" charset="-120"/>
+            </a:endParaRPr>
+          </a:p>
+        </p:txBody>
+      </p:sp>
+    </p:spTree>
+    <p:extLst>
+      <p:ext uri="{BB962C8B-B14F-4D97-AF65-F5344CB8AC3E}">
+        <p14:creationId xmlns:p14="http://schemas.microsoft.com/office/powerpoint/2010/main" val="3026022321"/>
+      </p:ext>
+    </p:extLst>
+  </p:cSld>
+  <p:clrMapOvr>
+    <a:masterClrMapping/>
+  </p:clrMapOvr>
+</p:sld>
+</file>
+
+<file path=ppt/slides/slide7.xml><?xml version="1.0" encoding="utf-8"?>
+<p:sld xmlns:a="http://schemas.openxmlformats.org/drawingml/2006/main" xmlns:r="http://schemas.openxmlformats.org/officeDocument/2006/relationships" xmlns:p="http://schemas.openxmlformats.org/presentationml/2006/main">
+  <p:cSld>
+    <p:spTree>
+      <p:nvGrpSpPr>
+        <p:cNvPr id="1" name=""/>
+        <p:cNvGrpSpPr/>
+        <p:nvPr/>
+      </p:nvGrpSpPr>
+      <p:grpSpPr>
+        <a:xfrm>
+          <a:off x="0" y="0"/>
+          <a:ext cx="0" cy="0"/>
+          <a:chOff x="0" y="0"/>
+          <a:chExt cx="0" cy="0"/>
+        </a:xfrm>
+      </p:grpSpPr>
+      <p:sp>
+        <p:nvSpPr>
+          <p:cNvPr id="5" name="內容版面配置區 4"/>
+          <p:cNvSpPr>
+            <a:spLocks noGrp="1"/>
+          </p:cNvSpPr>
+          <p:nvPr>
+            <p:ph idx="1"/>
+          </p:nvPr>
+        </p:nvSpPr>
+        <p:spPr>
+          <a:xfrm>
+            <a:off x="0" y="2084851"/>
+            <a:ext cx="12192000" cy="2404863"/>
+          </a:xfrm>
+        </p:spPr>
+        <p:txBody>
+          <a:bodyPr anchor="ctr">
+            <a:normAutofit/>
+          </a:bodyPr>
+          <a:lstStyle/>
+          <a:p>
+            <a:pPr marL="0" indent="0" algn="ctr">
+              <a:buNone/>
+            </a:pPr>
+            <a:r>
+              <a:rPr lang="zh-TW" altLang="en-US" sz="6400" b="1" dirty="0">
+                <a:solidFill>
+                  <a:srgbClr val="000066"/>
+                </a:solidFill>
+                <a:latin typeface="微軟正黑體" pitchFamily="34" charset="-120"/>
+                <a:ea typeface="微軟正黑體" pitchFamily="34" charset="-120"/>
+              </a:rPr>
+              <a:t>就在我深陷恐懼軟弱</a:t>
+            </a:r>
+            <a:endParaRPr lang="en-US" altLang="zh-TW" sz="6400" b="1" dirty="0">
+              <a:solidFill>
+                <a:srgbClr val="000066"/>
+              </a:solidFill>
+              <a:latin typeface="微軟正黑體" pitchFamily="34" charset="-120"/>
+              <a:ea typeface="微軟正黑體" pitchFamily="34" charset="-120"/>
+            </a:endParaRPr>
+          </a:p>
+          <a:p>
+            <a:pPr marL="0" indent="0" algn="ctr">
+              <a:buNone/>
+            </a:pPr>
+            <a:r>
+              <a:rPr lang="zh-CN" altLang="en-US" sz="6400" b="1" dirty="0">
+                <a:solidFill>
+                  <a:srgbClr val="000066"/>
+                </a:solidFill>
+                <a:latin typeface="微軟正黑體" pitchFamily="34" charset="-120"/>
+                <a:ea typeface="微軟正黑體" pitchFamily="34" charset="-120"/>
+              </a:rPr>
+              <a:t>祢</a:t>
+            </a:r>
+            <a:r>
+              <a:rPr lang="zh-TW" altLang="en-US" sz="6400" b="1" dirty="0">
+                <a:solidFill>
+                  <a:srgbClr val="000066"/>
+                </a:solidFill>
+                <a:latin typeface="微軟正黑體" pitchFamily="34" charset="-120"/>
+                <a:ea typeface="微軟正黑體" pitchFamily="34" charset="-120"/>
+              </a:rPr>
+              <a:t>永不失手  扶持著我</a:t>
+            </a:r>
+            <a:endParaRPr lang="vi-VN" sz="6400" b="1" dirty="0">
+              <a:solidFill>
+                <a:srgbClr val="000066"/>
+              </a:solidFill>
+              <a:ea typeface="微軟正黑體" pitchFamily="34" charset="-120"/>
+            </a:endParaRPr>
+          </a:p>
+        </p:txBody>
+      </p:sp>
+      <p:sp>
+        <p:nvSpPr>
+          <p:cNvPr id="3" name="TextBox 2"/>
+          <p:cNvSpPr txBox="1"/>
+          <p:nvPr/>
+        </p:nvSpPr>
+        <p:spPr>
+          <a:xfrm>
+            <a:off x="0" y="5157193"/>
+            <a:ext cx="12192000" cy="584775"/>
+          </a:xfrm>
+          <a:prstGeom prst="rect">
+            <a:avLst/>
+          </a:prstGeom>
+          <a:noFill/>
+        </p:spPr>
+        <p:txBody>
+          <a:bodyPr wrap="square" rtlCol="0">
+            <a:spAutoFit/>
+          </a:bodyPr>
+          <a:lstStyle/>
+          <a:p>
+            <a:pPr algn="ctr"/>
+            <a:r>
+              <a:rPr lang="en-US" sz="3200" b="1" dirty="0">
+                <a:solidFill>
+                  <a:srgbClr val="000066"/>
+                </a:solidFill>
+                <a:latin typeface="Microsoft JhengHei" panose="020B0604030504040204" pitchFamily="34" charset="-120"/>
+                <a:ea typeface="Microsoft JhengHei" panose="020B0604030504040204" pitchFamily="34" charset="-120"/>
+              </a:rPr>
+              <a:t>( </a:t>
+            </a:r>
+            <a:r>
+              <a:rPr lang="zh-CN" altLang="en-US" sz="3200" b="1" dirty="0">
+                <a:solidFill>
+                  <a:srgbClr val="000066"/>
+                </a:solidFill>
+                <a:latin typeface="Microsoft JhengHei" panose="020B0604030504040204" pitchFamily="34" charset="-120"/>
+                <a:ea typeface="Microsoft JhengHei" panose="020B0604030504040204" pitchFamily="34" charset="-120"/>
+              </a:rPr>
+              <a:t>正歌</a:t>
+            </a:r>
+            <a:r>
+              <a:rPr lang="en-US" sz="3200" b="1" dirty="0">
+                <a:solidFill>
+                  <a:srgbClr val="000066"/>
+                </a:solidFill>
+                <a:latin typeface="Microsoft JhengHei" panose="020B0604030504040204" pitchFamily="34" charset="-120"/>
+                <a:ea typeface="Microsoft JhengHei" panose="020B0604030504040204" pitchFamily="34" charset="-120"/>
+              </a:rPr>
+              <a:t> 2 )</a:t>
+            </a:r>
+            <a:endParaRPr lang="vi-VN" sz="3200" b="1" dirty="0">
+              <a:solidFill>
+                <a:srgbClr val="000066"/>
+              </a:solidFill>
+              <a:ea typeface="Microsoft JhengHei" panose="020B0604030504040204" pitchFamily="34" charset="-120"/>
+            </a:endParaRPr>
+          </a:p>
+        </p:txBody>
+      </p:sp>
+    </p:spTree>
+    <p:extLst>
+      <p:ext uri="{BB962C8B-B14F-4D97-AF65-F5344CB8AC3E}">
+        <p14:creationId xmlns:p14="http://schemas.microsoft.com/office/powerpoint/2010/main" val="796385941"/>
+      </p:ext>
+    </p:extLst>
+  </p:cSld>
+  <p:clrMapOvr>
+    <a:masterClrMapping/>
+  </p:clrMapOvr>
+</p:sld>
+</file>
+
+<file path=ppt/slides/slide8.xml><?xml version="1.0" encoding="utf-8"?>
+<p:sld xmlns:a="http://schemas.openxmlformats.org/drawingml/2006/main" xmlns:r="http://schemas.openxmlformats.org/officeDocument/2006/relationships" xmlns:p="http://schemas.openxmlformats.org/presentationml/2006/main">
+  <p:cSld>
+    <p:spTree>
+      <p:nvGrpSpPr>
+        <p:cNvPr id="1" name=""/>
+        <p:cNvGrpSpPr/>
+        <p:nvPr/>
+      </p:nvGrpSpPr>
+      <p:grpSpPr>
+        <a:xfrm>
+          <a:off x="0" y="0"/>
+          <a:ext cx="0" cy="0"/>
+          <a:chOff x="0" y="0"/>
+          <a:chExt cx="0" cy="0"/>
+        </a:xfrm>
+      </p:grpSpPr>
+      <p:sp>
+        <p:nvSpPr>
+          <p:cNvPr id="5" name="內容版面配置區 4"/>
+          <p:cNvSpPr>
+            <a:spLocks noGrp="1"/>
+          </p:cNvSpPr>
+          <p:nvPr>
+            <p:ph idx="1"/>
+          </p:nvPr>
+        </p:nvSpPr>
+        <p:spPr>
+          <a:xfrm>
+            <a:off x="0" y="2084851"/>
+            <a:ext cx="12192000" cy="2404863"/>
+          </a:xfrm>
+        </p:spPr>
+        <p:txBody>
+          <a:bodyPr anchor="ctr">
+            <a:normAutofit/>
+          </a:bodyPr>
+          <a:lstStyle/>
+          <a:p>
+            <a:pPr marL="0" indent="0" algn="ctr">
+              <a:buNone/>
+            </a:pPr>
+            <a:r>
+              <a:rPr lang="zh-TW" altLang="en-US" sz="6400" b="1" dirty="0">
+                <a:solidFill>
+                  <a:srgbClr val="000066"/>
+                </a:solidFill>
+                <a:latin typeface="微軟正黑體" pitchFamily="34" charset="-120"/>
+                <a:ea typeface="微軟正黑體" pitchFamily="34" charset="-120"/>
+              </a:rPr>
+              <a:t>聖靈引領</a:t>
+            </a:r>
+            <a:endParaRPr lang="en-US" altLang="zh-TW" sz="6400" b="1" dirty="0">
+              <a:solidFill>
+                <a:srgbClr val="000066"/>
+              </a:solidFill>
+              <a:latin typeface="微軟正黑體" pitchFamily="34" charset="-120"/>
+              <a:ea typeface="微軟正黑體" pitchFamily="34" charset="-120"/>
+            </a:endParaRPr>
+          </a:p>
+          <a:p>
+            <a:pPr marL="0" indent="0" algn="ctr">
+              <a:buNone/>
+            </a:pPr>
+            <a:r>
+              <a:rPr lang="zh-TW" altLang="en-US" sz="6400" b="1" dirty="0">
+                <a:solidFill>
+                  <a:srgbClr val="000066"/>
+                </a:solidFill>
+                <a:latin typeface="微軟正黑體" pitchFamily="34" charset="-120"/>
+                <a:ea typeface="微軟正黑體" pitchFamily="34" charset="-120"/>
+              </a:rPr>
+              <a:t>使我信心沒有界線</a:t>
+            </a:r>
+            <a:endParaRPr lang="en-US" altLang="zh-TW" sz="6400" b="1" dirty="0">
+              <a:solidFill>
+                <a:srgbClr val="000066"/>
+              </a:solidFill>
+              <a:latin typeface="微軟正黑體" pitchFamily="34" charset="-120"/>
+              <a:ea typeface="微軟正黑體" pitchFamily="34" charset="-120"/>
+            </a:endParaRPr>
+          </a:p>
+        </p:txBody>
+      </p:sp>
+      <p:sp>
+        <p:nvSpPr>
+          <p:cNvPr id="3" name="TextBox 2"/>
+          <p:cNvSpPr txBox="1"/>
+          <p:nvPr/>
+        </p:nvSpPr>
+        <p:spPr>
+          <a:xfrm>
+            <a:off x="0" y="5157193"/>
+            <a:ext cx="12192000" cy="584775"/>
+          </a:xfrm>
+          <a:prstGeom prst="rect">
+            <a:avLst/>
+          </a:prstGeom>
+          <a:noFill/>
+        </p:spPr>
+        <p:txBody>
+          <a:bodyPr wrap="square" rtlCol="0">
+            <a:spAutoFit/>
+          </a:bodyPr>
+          <a:lstStyle/>
+          <a:p>
+            <a:pPr algn="ctr"/>
+            <a:r>
+              <a:rPr lang="en-US" sz="3200" b="1" dirty="0">
+                <a:solidFill>
+                  <a:srgbClr val="000066"/>
+                </a:solidFill>
+                <a:latin typeface="Microsoft JhengHei" panose="020B0604030504040204" pitchFamily="34" charset="-120"/>
+                <a:ea typeface="Microsoft JhengHei" panose="020B0604030504040204" pitchFamily="34" charset="-120"/>
+              </a:rPr>
+              <a:t>( </a:t>
+            </a:r>
+            <a:r>
+              <a:rPr lang="zh-CN" altLang="en-US" sz="3200" b="1" dirty="0">
+                <a:solidFill>
+                  <a:srgbClr val="000066"/>
+                </a:solidFill>
+                <a:latin typeface="Microsoft JhengHei" panose="020B0604030504040204" pitchFamily="34" charset="-120"/>
+                <a:ea typeface="Microsoft JhengHei" panose="020B0604030504040204" pitchFamily="34" charset="-120"/>
+              </a:rPr>
+              <a:t>橋 </a:t>
+            </a:r>
+            <a:r>
+              <a:rPr lang="en-US" sz="3200" b="1" dirty="0">
+                <a:solidFill>
+                  <a:srgbClr val="000066"/>
+                </a:solidFill>
+                <a:latin typeface="Microsoft JhengHei" panose="020B0604030504040204" pitchFamily="34" charset="-120"/>
+                <a:ea typeface="Microsoft JhengHei" panose="020B0604030504040204" pitchFamily="34" charset="-120"/>
+              </a:rPr>
+              <a:t>)</a:t>
+            </a:r>
+            <a:endParaRPr lang="vi-VN" sz="3200" b="1" dirty="0">
+              <a:solidFill>
+                <a:srgbClr val="000066"/>
+              </a:solidFill>
+              <a:ea typeface="Microsoft JhengHei" panose="020B0604030504040204" pitchFamily="34" charset="-120"/>
+            </a:endParaRPr>
+          </a:p>
+        </p:txBody>
+      </p:sp>
+    </p:spTree>
+    <p:extLst>
+      <p:ext uri="{BB962C8B-B14F-4D97-AF65-F5344CB8AC3E}">
+        <p14:creationId xmlns:p14="http://schemas.microsoft.com/office/powerpoint/2010/main" val="3469791944"/>
+      </p:ext>
+    </p:extLst>
+  </p:cSld>
+  <p:clrMapOvr>
+    <a:masterClrMapping/>
+  </p:clrMapOvr>
+</p:sld>
+</file>
+
+<file path=ppt/slides/slide9.xml><?xml version="1.0" encoding="utf-8"?>
+<p:sld xmlns:a="http://schemas.openxmlformats.org/drawingml/2006/main" xmlns:r="http://schemas.openxmlformats.org/officeDocument/2006/relationships" xmlns:p="http://schemas.openxmlformats.org/presentationml/2006/main">
+  <p:cSld>
+    <p:spTree>
+      <p:nvGrpSpPr>
+        <p:cNvPr id="1" name=""/>
+        <p:cNvGrpSpPr/>
+        <p:nvPr/>
+      </p:nvGrpSpPr>
+      <p:grpSpPr>
+        <a:xfrm>
+          <a:off x="0" y="0"/>
+          <a:ext cx="0" cy="0"/>
+          <a:chOff x="0" y="0"/>
+          <a:chExt cx="0" cy="0"/>
+        </a:xfrm>
+      </p:grpSpPr>
+      <p:sp>
+        <p:nvSpPr>
+          <p:cNvPr id="5" name="內容版面配置區 4"/>
+          <p:cNvSpPr>
+            <a:spLocks noGrp="1"/>
+          </p:cNvSpPr>
+          <p:nvPr>
+            <p:ph idx="1"/>
+          </p:nvPr>
+        </p:nvSpPr>
+        <p:spPr>
+          <a:xfrm>
+            <a:off x="0" y="2084851"/>
+            <a:ext cx="12192000" cy="2404863"/>
+          </a:xfrm>
+        </p:spPr>
+        <p:txBody>
+          <a:bodyPr anchor="ctr">
+            <a:normAutofit/>
+          </a:bodyPr>
+          <a:lstStyle/>
+          <a:p>
+            <a:pPr marL="0" indent="0" algn="ctr">
+              <a:buNone/>
+            </a:pPr>
+            <a:r>
+              <a:rPr lang="zh-TW" altLang="en-US" sz="6400" b="1" dirty="0">
+                <a:solidFill>
+                  <a:srgbClr val="000066"/>
+                </a:solidFill>
+                <a:latin typeface="微軟正黑體" pitchFamily="34" charset="-120"/>
+                <a:ea typeface="微軟正黑體" pitchFamily="34" charset="-120"/>
+              </a:rPr>
+              <a:t>讓我能行走在水面</a:t>
+            </a:r>
+            <a:endParaRPr lang="en-US" altLang="zh-TW" sz="6400" b="1" dirty="0">
+              <a:solidFill>
+                <a:srgbClr val="000066"/>
+              </a:solidFill>
+              <a:latin typeface="微軟正黑體" pitchFamily="34" charset="-120"/>
+              <a:ea typeface="微軟正黑體" pitchFamily="34" charset="-120"/>
+            </a:endParaRPr>
+          </a:p>
+          <a:p>
+            <a:pPr marL="0" indent="0" algn="ctr">
+              <a:buNone/>
+            </a:pPr>
+            <a:r>
+              <a:rPr lang="zh-TW" altLang="en-US" sz="6400" b="1" dirty="0">
+                <a:solidFill>
+                  <a:srgbClr val="000066"/>
+                </a:solidFill>
+                <a:latin typeface="微軟正黑體" pitchFamily="34" charset="-120"/>
+                <a:ea typeface="微軟正黑體" pitchFamily="34" charset="-120"/>
+              </a:rPr>
+              <a:t>呼召我快跑跟隨</a:t>
+            </a:r>
+            <a:endParaRPr lang="en-US" altLang="zh-TW" sz="6400" b="1" dirty="0">
+              <a:solidFill>
+                <a:srgbClr val="000066"/>
+              </a:solidFill>
+              <a:latin typeface="微軟正黑體" pitchFamily="34" charset="-120"/>
+              <a:ea typeface="微軟正黑體" pitchFamily="34" charset="-120"/>
+            </a:endParaRPr>
+          </a:p>
+        </p:txBody>
+      </p:sp>
+      <p:sp>
+        <p:nvSpPr>
+          <p:cNvPr id="3" name="TextBox 2"/>
+          <p:cNvSpPr txBox="1"/>
+          <p:nvPr/>
+        </p:nvSpPr>
+        <p:spPr>
+          <a:xfrm>
+            <a:off x="0" y="5157193"/>
+            <a:ext cx="12192000" cy="584775"/>
+          </a:xfrm>
+          <a:prstGeom prst="rect">
+            <a:avLst/>
+          </a:prstGeom>
+          <a:noFill/>
+        </p:spPr>
+        <p:txBody>
+          <a:bodyPr wrap="square" rtlCol="0">
+            <a:spAutoFit/>
+          </a:bodyPr>
+          <a:lstStyle/>
+          <a:p>
+            <a:pPr algn="ctr"/>
+            <a:r>
+              <a:rPr lang="en-US" sz="3200" b="1" dirty="0">
+                <a:solidFill>
+                  <a:srgbClr val="000066"/>
+                </a:solidFill>
+                <a:latin typeface="Microsoft JhengHei" panose="020B0604030504040204" pitchFamily="34" charset="-120"/>
+                <a:ea typeface="Microsoft JhengHei" panose="020B0604030504040204" pitchFamily="34" charset="-120"/>
+              </a:rPr>
+              <a:t>( </a:t>
+            </a:r>
+            <a:r>
+              <a:rPr lang="zh-CN" altLang="en-US" sz="3200" b="1" dirty="0">
+                <a:solidFill>
+                  <a:srgbClr val="000066"/>
+                </a:solidFill>
+                <a:latin typeface="Microsoft JhengHei" panose="020B0604030504040204" pitchFamily="34" charset="-120"/>
+                <a:ea typeface="Microsoft JhengHei" panose="020B0604030504040204" pitchFamily="34" charset="-120"/>
+              </a:rPr>
+              <a:t>橋 </a:t>
+            </a:r>
+            <a:r>
+              <a:rPr lang="en-US" sz="3200" b="1" dirty="0">
+                <a:solidFill>
+                  <a:srgbClr val="000066"/>
+                </a:solidFill>
+                <a:latin typeface="Microsoft JhengHei" panose="020B0604030504040204" pitchFamily="34" charset="-120"/>
+                <a:ea typeface="Microsoft JhengHei" panose="020B0604030504040204" pitchFamily="34" charset="-120"/>
+              </a:rPr>
+              <a:t>)</a:t>
+            </a:r>
+            <a:endParaRPr lang="vi-VN" sz="3200" b="1" dirty="0">
+              <a:solidFill>
+                <a:srgbClr val="000066"/>
+              </a:solidFill>
+              <a:ea typeface="Microsoft JhengHei" panose="020B0604030504040204" pitchFamily="34" charset="-120"/>
+            </a:endParaRPr>
+          </a:p>
+        </p:txBody>
+      </p:sp>
+    </p:spTree>
+    <p:extLst>
+      <p:ext uri="{BB962C8B-B14F-4D97-AF65-F5344CB8AC3E}">
+        <p14:creationId xmlns:p14="http://schemas.microsoft.com/office/powerpoint/2010/main" val="878153218"/>
       </p:ext>
     </p:extLst>
   </p:cSld>
